--- a/9. Giới thiệu Amazon web service/Giới thiệu Amazon Web Service.pptx
+++ b/9. Giới thiệu Amazon web service/Giới thiệu Amazon Web Service.pptx
@@ -123,6 +123,11 @@
       </a:defRPr>
     </a:lvl9pPr>
   </p:defaultTextStyle>
+  <p:extLst>
+    <p:ext uri="{EFAFB233-063F-42B5-8137-9DF3F51BA10A}">
+      <p15:sldGuideLst xmlns:p15="http://schemas.microsoft.com/office/powerpoint/2012/main"/>
+    </p:ext>
+  </p:extLst>
 </p:presentation>
 </file>
 
@@ -135,61 +140,6 @@
       <pc:docMkLst>
         <pc:docMk/>
       </pc:docMkLst>
-      <pc:sldChg chg="addSp delSp modSp del">
-        <pc:chgData name="Huong Nguyen" userId="a3438fb82b5343a2" providerId="LiveId" clId="{C14A037E-31B5-40DF-A04D-87CB46007AD5}" dt="2018-04-21T09:55:00.477" v="58" actId="2696"/>
-        <pc:sldMkLst>
-          <pc:docMk/>
-          <pc:sldMk cId="170026984" sldId="256"/>
-        </pc:sldMkLst>
-        <pc:spChg chg="del">
-          <ac:chgData name="Huong Nguyen" userId="a3438fb82b5343a2" providerId="LiveId" clId="{C14A037E-31B5-40DF-A04D-87CB46007AD5}" dt="2018-04-21T09:51:38.126" v="9" actId="478"/>
-          <ac:spMkLst>
-            <pc:docMk/>
-            <pc:sldMk cId="170026984" sldId="256"/>
-            <ac:spMk id="2" creationId="{62DFD135-D16B-48ED-8F96-C6138D4BFDDE}"/>
-          </ac:spMkLst>
-        </pc:spChg>
-        <pc:spChg chg="del mod">
-          <ac:chgData name="Huong Nguyen" userId="a3438fb82b5343a2" providerId="LiveId" clId="{C14A037E-31B5-40DF-A04D-87CB46007AD5}" dt="2018-04-21T09:54:27.065" v="38"/>
-          <ac:spMkLst>
-            <pc:docMk/>
-            <pc:sldMk cId="170026984" sldId="256"/>
-            <ac:spMk id="3" creationId="{240EB217-ABD8-4DFD-8D34-57BA5527FA89}"/>
-          </ac:spMkLst>
-        </pc:spChg>
-        <pc:spChg chg="add del mod">
-          <ac:chgData name="Huong Nguyen" userId="a3438fb82b5343a2" providerId="LiveId" clId="{C14A037E-31B5-40DF-A04D-87CB46007AD5}" dt="2018-04-21T09:51:39.960" v="10" actId="478"/>
-          <ac:spMkLst>
-            <pc:docMk/>
-            <pc:sldMk cId="170026984" sldId="256"/>
-            <ac:spMk id="5" creationId="{D38118A0-10CB-4F0E-9853-D638EEAF00A9}"/>
-          </ac:spMkLst>
-        </pc:spChg>
-        <pc:spChg chg="add mod">
-          <ac:chgData name="Huong Nguyen" userId="a3438fb82b5343a2" providerId="LiveId" clId="{C14A037E-31B5-40DF-A04D-87CB46007AD5}" dt="2018-04-21T09:54:27.065" v="38"/>
-          <ac:spMkLst>
-            <pc:docMk/>
-            <pc:sldMk cId="170026984" sldId="256"/>
-            <ac:spMk id="6" creationId="{BA2EB08B-538D-4299-9BE8-F967265B6621}"/>
-          </ac:spMkLst>
-        </pc:spChg>
-        <pc:picChg chg="add del mod">
-          <ac:chgData name="Huong Nguyen" userId="a3438fb82b5343a2" providerId="LiveId" clId="{C14A037E-31B5-40DF-A04D-87CB46007AD5}" dt="2018-04-21T09:51:28.947" v="5"/>
-          <ac:picMkLst>
-            <pc:docMk/>
-            <pc:sldMk cId="170026984" sldId="256"/>
-            <ac:picMk id="1026" creationId="{7B9C0954-D6D6-489F-BBAB-FB358B787C0B}"/>
-          </ac:picMkLst>
-        </pc:picChg>
-        <pc:picChg chg="add mod">
-          <ac:chgData name="Huong Nguyen" userId="a3438fb82b5343a2" providerId="LiveId" clId="{C14A037E-31B5-40DF-A04D-87CB46007AD5}" dt="2018-04-21T09:52:54.302" v="30" actId="1076"/>
-          <ac:picMkLst>
-            <pc:docMk/>
-            <pc:sldMk cId="170026984" sldId="256"/>
-            <ac:picMk id="1028" creationId="{C046EA69-55DC-49C8-A01B-47836B3BD03D}"/>
-          </ac:picMkLst>
-        </pc:picChg>
-      </pc:sldChg>
       <pc:sldChg chg="addSp delSp modSp add">
         <pc:chgData name="Huong Nguyen" userId="a3438fb82b5343a2" providerId="LiveId" clId="{C14A037E-31B5-40DF-A04D-87CB46007AD5}" dt="2018-04-21T17:42:39.955" v="5805" actId="14100"/>
         <pc:sldMkLst>
@@ -858,37 +808,6 @@
           </ac:picMkLst>
         </pc:picChg>
       </pc:sldChg>
-      <pc:sldChg chg="addSp delSp modSp add del">
-        <pc:chgData name="Huong Nguyen" userId="a3438fb82b5343a2" providerId="LiveId" clId="{C14A037E-31B5-40DF-A04D-87CB46007AD5}" dt="2018-04-21T11:25:35.192" v="394" actId="2696"/>
-        <pc:sldMkLst>
-          <pc:docMk/>
-          <pc:sldMk cId="2834855379" sldId="260"/>
-        </pc:sldMkLst>
-        <pc:spChg chg="mod">
-          <ac:chgData name="Huong Nguyen" userId="a3438fb82b5343a2" providerId="LiveId" clId="{C14A037E-31B5-40DF-A04D-87CB46007AD5}" dt="2018-04-21T11:15:04.812" v="364" actId="20577"/>
-          <ac:spMkLst>
-            <pc:docMk/>
-            <pc:sldMk cId="2834855379" sldId="260"/>
-            <ac:spMk id="2" creationId="{DFFFFA99-E724-41BD-AD79-CF9F7F1B5B8F}"/>
-          </ac:spMkLst>
-        </pc:spChg>
-        <pc:spChg chg="del">
-          <ac:chgData name="Huong Nguyen" userId="a3438fb82b5343a2" providerId="LiveId" clId="{C14A037E-31B5-40DF-A04D-87CB46007AD5}" dt="2018-04-21T11:19:31.505" v="378" actId="478"/>
-          <ac:spMkLst>
-            <pc:docMk/>
-            <pc:sldMk cId="2834855379" sldId="260"/>
-            <ac:spMk id="3" creationId="{1D959CE4-5404-4BB4-ADD9-AA299F72D886}"/>
-          </ac:spMkLst>
-        </pc:spChg>
-        <pc:picChg chg="add del mod">
-          <ac:chgData name="Huong Nguyen" userId="a3438fb82b5343a2" providerId="LiveId" clId="{C14A037E-31B5-40DF-A04D-87CB46007AD5}" dt="2018-04-21T11:19:50.879" v="382"/>
-          <ac:picMkLst>
-            <pc:docMk/>
-            <pc:sldMk cId="2834855379" sldId="260"/>
-            <ac:picMk id="4098" creationId="{60F49098-9562-4A07-B014-614D4D9EFE1F}"/>
-          </ac:picMkLst>
-        </pc:picChg>
-      </pc:sldChg>
       <pc:sldChg chg="addSp delSp modSp add">
         <pc:chgData name="Huong Nguyen" userId="a3438fb82b5343a2" providerId="LiveId" clId="{C14A037E-31B5-40DF-A04D-87CB46007AD5}" dt="2018-04-21T14:18:46.106" v="5235" actId="14100"/>
         <pc:sldMkLst>
@@ -1270,13 +1189,6 @@
           </ac:picMkLst>
         </pc:picChg>
       </pc:sldChg>
-      <pc:sldChg chg="add del">
-        <pc:chgData name="Huong Nguyen" userId="a3438fb82b5343a2" providerId="LiveId" clId="{C14A037E-31B5-40DF-A04D-87CB46007AD5}" dt="2018-04-21T14:19:24.884" v="5241" actId="2696"/>
-        <pc:sldMkLst>
-          <pc:docMk/>
-          <pc:sldMk cId="1032752493" sldId="272"/>
-        </pc:sldMkLst>
-      </pc:sldChg>
       <pc:sldChg chg="addSp delSp modSp add">
         <pc:chgData name="Huong Nguyen" userId="a3438fb82b5343a2" providerId="LiveId" clId="{C14A037E-31B5-40DF-A04D-87CB46007AD5}" dt="2018-04-21T14:17:18.746" v="5147" actId="20577"/>
         <pc:sldMkLst>
@@ -1362,6 +1274,30 @@
             <ac:picMk id="3074" creationId="{ADE88591-8D16-4943-AD91-E0440D1A2F6F}"/>
           </ac:picMkLst>
         </pc:picChg>
+      </pc:sldChg>
+    </pc:docChg>
+  </pc:docChgLst>
+  <pc:docChgLst>
+    <pc:chgData name="Huong Nguyen" userId="a3438fb82b5343a2" providerId="LiveId" clId="{494061C9-877D-4703-91D9-3EC821A9423D}"/>
+    <pc:docChg chg="modSld">
+      <pc:chgData name="Huong Nguyen" userId="a3438fb82b5343a2" providerId="LiveId" clId="{494061C9-877D-4703-91D9-3EC821A9423D}" dt="2018-07-20T07:28:24.279" v="14" actId="20577"/>
+      <pc:docMkLst>
+        <pc:docMk/>
+      </pc:docMkLst>
+      <pc:sldChg chg="modSp">
+        <pc:chgData name="Huong Nguyen" userId="a3438fb82b5343a2" providerId="LiveId" clId="{494061C9-877D-4703-91D9-3EC821A9423D}" dt="2018-07-20T07:28:24.279" v="14" actId="20577"/>
+        <pc:sldMkLst>
+          <pc:docMk/>
+          <pc:sldMk cId="100778696" sldId="268"/>
+        </pc:sldMkLst>
+        <pc:spChg chg="mod">
+          <ac:chgData name="Huong Nguyen" userId="a3438fb82b5343a2" providerId="LiveId" clId="{494061C9-877D-4703-91D9-3EC821A9423D}" dt="2018-07-20T07:28:24.279" v="14" actId="20577"/>
+          <ac:spMkLst>
+            <pc:docMk/>
+            <pc:sldMk cId="100778696" sldId="268"/>
+            <ac:spMk id="7" creationId="{9551AD72-8454-45A9-9F82-BAFA2720DC56}"/>
+          </ac:spMkLst>
+        </pc:spChg>
       </pc:sldChg>
     </pc:docChg>
   </pc:docChgLst>
@@ -4128,7 +4064,7 @@
           <a:p>
             <a:fld id="{6C3FF073-F312-4F63-BD1A-D996E86F83FD}" type="datetimeFigureOut">
               <a:rPr lang="en-US" smtClean="0"/>
-              <a:t>4/21/2018</a:t>
+              <a:t>07/20/2018</a:t>
             </a:fld>
             <a:endParaRPr lang="en-US"/>
           </a:p>
@@ -12131,7 +12067,7 @@
           <a:p>
             <a:fld id="{5EEF2717-D069-4865-822B-EE8607A5752B}" type="datetimeFigureOut">
               <a:rPr lang="en-US" smtClean="0"/>
-              <a:t>4/21/2018</a:t>
+              <a:t>07/20/2018</a:t>
             </a:fld>
             <a:endParaRPr lang="en-US"/>
           </a:p>
@@ -12331,7 +12267,7 @@
           <a:p>
             <a:fld id="{5EEF2717-D069-4865-822B-EE8607A5752B}" type="datetimeFigureOut">
               <a:rPr lang="en-US" smtClean="0"/>
-              <a:t>4/21/2018</a:t>
+              <a:t>07/20/2018</a:t>
             </a:fld>
             <a:endParaRPr lang="en-US"/>
           </a:p>
@@ -12541,7 +12477,7 @@
           <a:p>
             <a:fld id="{5EEF2717-D069-4865-822B-EE8607A5752B}" type="datetimeFigureOut">
               <a:rPr lang="en-US" smtClean="0"/>
-              <a:t>4/21/2018</a:t>
+              <a:t>07/20/2018</a:t>
             </a:fld>
             <a:endParaRPr lang="en-US"/>
           </a:p>
@@ -12741,7 +12677,7 @@
           <a:p>
             <a:fld id="{5EEF2717-D069-4865-822B-EE8607A5752B}" type="datetimeFigureOut">
               <a:rPr lang="en-US" smtClean="0"/>
-              <a:t>4/21/2018</a:t>
+              <a:t>07/20/2018</a:t>
             </a:fld>
             <a:endParaRPr lang="en-US"/>
           </a:p>
@@ -13017,7 +12953,7 @@
           <a:p>
             <a:fld id="{5EEF2717-D069-4865-822B-EE8607A5752B}" type="datetimeFigureOut">
               <a:rPr lang="en-US" smtClean="0"/>
-              <a:t>4/21/2018</a:t>
+              <a:t>07/20/2018</a:t>
             </a:fld>
             <a:endParaRPr lang="en-US"/>
           </a:p>
@@ -13285,7 +13221,7 @@
           <a:p>
             <a:fld id="{5EEF2717-D069-4865-822B-EE8607A5752B}" type="datetimeFigureOut">
               <a:rPr lang="en-US" smtClean="0"/>
-              <a:t>4/21/2018</a:t>
+              <a:t>07/20/2018</a:t>
             </a:fld>
             <a:endParaRPr lang="en-US"/>
           </a:p>
@@ -13700,7 +13636,7 @@
           <a:p>
             <a:fld id="{5EEF2717-D069-4865-822B-EE8607A5752B}" type="datetimeFigureOut">
               <a:rPr lang="en-US" smtClean="0"/>
-              <a:t>4/21/2018</a:t>
+              <a:t>07/20/2018</a:t>
             </a:fld>
             <a:endParaRPr lang="en-US"/>
           </a:p>
@@ -13842,7 +13778,7 @@
           <a:p>
             <a:fld id="{5EEF2717-D069-4865-822B-EE8607A5752B}" type="datetimeFigureOut">
               <a:rPr lang="en-US" smtClean="0"/>
-              <a:t>4/21/2018</a:t>
+              <a:t>07/20/2018</a:t>
             </a:fld>
             <a:endParaRPr lang="en-US"/>
           </a:p>
@@ -13955,7 +13891,7 @@
           <a:p>
             <a:fld id="{5EEF2717-D069-4865-822B-EE8607A5752B}" type="datetimeFigureOut">
               <a:rPr lang="en-US" smtClean="0"/>
-              <a:t>4/21/2018</a:t>
+              <a:t>07/20/2018</a:t>
             </a:fld>
             <a:endParaRPr lang="en-US"/>
           </a:p>
@@ -14268,7 +14204,7 @@
           <a:p>
             <a:fld id="{5EEF2717-D069-4865-822B-EE8607A5752B}" type="datetimeFigureOut">
               <a:rPr lang="en-US" smtClean="0"/>
-              <a:t>4/21/2018</a:t>
+              <a:t>07/20/2018</a:t>
             </a:fld>
             <a:endParaRPr lang="en-US"/>
           </a:p>
@@ -14557,7 +14493,7 @@
           <a:p>
             <a:fld id="{5EEF2717-D069-4865-822B-EE8607A5752B}" type="datetimeFigureOut">
               <a:rPr lang="en-US" smtClean="0"/>
-              <a:t>4/21/2018</a:t>
+              <a:t>07/20/2018</a:t>
             </a:fld>
             <a:endParaRPr lang="en-US"/>
           </a:p>
@@ -14800,7 +14736,7 @@
           <a:p>
             <a:fld id="{5EEF2717-D069-4865-822B-EE8607A5752B}" type="datetimeFigureOut">
               <a:rPr lang="en-US" smtClean="0"/>
-              <a:t>4/21/2018</a:t>
+              <a:t>07/20/2018</a:t>
             </a:fld>
             <a:endParaRPr lang="en-US"/>
           </a:p>
@@ -15556,7 +15492,7 @@
           <p:nvPr/>
         </p:nvPicPr>
         <p:blipFill>
-          <a:blip r:embed="rId3">
+          <a:blip r:embed="rId3" cstate="hqprint">
             <a:extLst>
               <a:ext uri="{28A0092B-C50C-407E-A947-70E740481C1C}">
                 <a14:useLocalDpi xmlns:a14="http://schemas.microsoft.com/office/drawing/2010/main" val="0"/>
@@ -15696,7 +15632,7 @@
           <p:nvPr/>
         </p:nvPicPr>
         <p:blipFill>
-          <a:blip r:embed="rId3">
+          <a:blip r:embed="rId3" cstate="hqprint">
             <a:extLst>
               <a:ext uri="{28A0092B-C50C-407E-A947-70E740481C1C}">
                 <a14:useLocalDpi xmlns:a14="http://schemas.microsoft.com/office/drawing/2010/main" val="0"/>
@@ -15910,7 +15846,7 @@
           <p:nvPr/>
         </p:nvPicPr>
         <p:blipFill>
-          <a:blip r:embed="rId3">
+          <a:blip r:embed="rId3" cstate="hqprint">
             <a:extLst>
               <a:ext uri="{28A0092B-C50C-407E-A947-70E740481C1C}">
                 <a14:useLocalDpi xmlns:a14="http://schemas.microsoft.com/office/drawing/2010/main" val="0"/>
@@ -16999,7 +16935,7 @@
           <p:nvPr/>
         </p:nvPicPr>
         <p:blipFill>
-          <a:blip r:embed="rId3">
+          <a:blip r:embed="rId3" cstate="hqprint">
             <a:extLst>
               <a:ext uri="{28A0092B-C50C-407E-A947-70E740481C1C}">
                 <a14:useLocalDpi xmlns:a14="http://schemas.microsoft.com/office/drawing/2010/main" val="0"/>
@@ -17423,7 +17359,7 @@
           </a:p>
           <a:p>
             <a:r>
-              <a:rPr lang="vi-VN" sz="2600" b="1" dirty="0" err="1">
+              <a:rPr lang="vi-VN" sz="2600" b="1" dirty="0">
                 <a:latin typeface="Calibri (Thân)"/>
               </a:rPr>
               <a:t>DynamoDB</a:t>
@@ -17432,295 +17368,19 @@
               <a:rPr lang="vi-VN" sz="2600" dirty="0">
                 <a:latin typeface="Calibri (Thân)"/>
               </a:rPr>
-              <a:t> </a:t>
-            </a:r>
-            <a:r>
-              <a:rPr lang="vi-VN" sz="2600" dirty="0" err="1">
+              <a:t> tự động phân tán dữ liệu và traffic của một bảng ra một số lượng server vừa đủ để có thể xử lý request capacity đặt ra b</a:t>
+            </a:r>
+            <a:r>
+              <a:rPr lang="en-US" sz="2600">
                 <a:latin typeface="Calibri (Thân)"/>
               </a:rPr>
-              <a:t>tự</a:t>
-            </a:r>
-            <a:r>
-              <a:rPr lang="vi-VN" sz="2600" dirty="0">
+              <a:t>ở</a:t>
+            </a:r>
+            <a:r>
+              <a:rPr lang="vi-VN" sz="2600">
                 <a:latin typeface="Calibri (Thân)"/>
               </a:rPr>
-              <a:t> </a:t>
-            </a:r>
-            <a:r>
-              <a:rPr lang="vi-VN" sz="2600" dirty="0" err="1">
-                <a:latin typeface="Calibri (Thân)"/>
-              </a:rPr>
-              <a:t>động</a:t>
-            </a:r>
-            <a:r>
-              <a:rPr lang="vi-VN" sz="2600" dirty="0">
-                <a:latin typeface="Calibri (Thân)"/>
-              </a:rPr>
-              <a:t> phân </a:t>
-            </a:r>
-            <a:r>
-              <a:rPr lang="vi-VN" sz="2600" dirty="0" err="1">
-                <a:latin typeface="Calibri (Thân)"/>
-              </a:rPr>
-              <a:t>tán</a:t>
-            </a:r>
-            <a:r>
-              <a:rPr lang="vi-VN" sz="2600" dirty="0">
-                <a:latin typeface="Calibri (Thân)"/>
-              </a:rPr>
-              <a:t> </a:t>
-            </a:r>
-            <a:r>
-              <a:rPr lang="vi-VN" sz="2600" dirty="0" err="1">
-                <a:latin typeface="Calibri (Thân)"/>
-              </a:rPr>
-              <a:t>dữ</a:t>
-            </a:r>
-            <a:r>
-              <a:rPr lang="vi-VN" sz="2600" dirty="0">
-                <a:latin typeface="Calibri (Thân)"/>
-              </a:rPr>
-              <a:t> </a:t>
-            </a:r>
-            <a:r>
-              <a:rPr lang="vi-VN" sz="2600" dirty="0" err="1">
-                <a:latin typeface="Calibri (Thân)"/>
-              </a:rPr>
-              <a:t>liệu</a:t>
-            </a:r>
-            <a:r>
-              <a:rPr lang="vi-VN" sz="2600" dirty="0">
-                <a:latin typeface="Calibri (Thân)"/>
-              </a:rPr>
-              <a:t> </a:t>
-            </a:r>
-            <a:r>
-              <a:rPr lang="vi-VN" sz="2600" dirty="0" err="1">
-                <a:latin typeface="Calibri (Thân)"/>
-              </a:rPr>
-              <a:t>và</a:t>
-            </a:r>
-            <a:r>
-              <a:rPr lang="vi-VN" sz="2600" dirty="0">
-                <a:latin typeface="Calibri (Thân)"/>
-              </a:rPr>
-              <a:t> </a:t>
-            </a:r>
-            <a:r>
-              <a:rPr lang="vi-VN" sz="2600" dirty="0" err="1">
-                <a:latin typeface="Calibri (Thân)"/>
-              </a:rPr>
-              <a:t>traffic</a:t>
-            </a:r>
-            <a:r>
-              <a:rPr lang="vi-VN" sz="2600" dirty="0">
-                <a:latin typeface="Calibri (Thân)"/>
-              </a:rPr>
-              <a:t> </a:t>
-            </a:r>
-            <a:r>
-              <a:rPr lang="vi-VN" sz="2600" dirty="0" err="1">
-                <a:latin typeface="Calibri (Thân)"/>
-              </a:rPr>
-              <a:t>của</a:t>
-            </a:r>
-            <a:r>
-              <a:rPr lang="vi-VN" sz="2600" dirty="0">
-                <a:latin typeface="Calibri (Thân)"/>
-              </a:rPr>
-              <a:t> </a:t>
-            </a:r>
-            <a:r>
-              <a:rPr lang="vi-VN" sz="2600" dirty="0" err="1">
-                <a:latin typeface="Calibri (Thân)"/>
-              </a:rPr>
-              <a:t>một</a:t>
-            </a:r>
-            <a:r>
-              <a:rPr lang="vi-VN" sz="2600" dirty="0">
-                <a:latin typeface="Calibri (Thân)"/>
-              </a:rPr>
-              <a:t> </a:t>
-            </a:r>
-            <a:r>
-              <a:rPr lang="vi-VN" sz="2600" dirty="0" err="1">
-                <a:latin typeface="Calibri (Thân)"/>
-              </a:rPr>
-              <a:t>bảng</a:t>
-            </a:r>
-            <a:r>
-              <a:rPr lang="vi-VN" sz="2600" dirty="0">
-                <a:latin typeface="Calibri (Thân)"/>
-              </a:rPr>
-              <a:t> ra </a:t>
-            </a:r>
-            <a:r>
-              <a:rPr lang="vi-VN" sz="2600" dirty="0" err="1">
-                <a:latin typeface="Calibri (Thân)"/>
-              </a:rPr>
-              <a:t>một</a:t>
-            </a:r>
-            <a:r>
-              <a:rPr lang="vi-VN" sz="2600" dirty="0">
-                <a:latin typeface="Calibri (Thân)"/>
-              </a:rPr>
-              <a:t> </a:t>
-            </a:r>
-            <a:r>
-              <a:rPr lang="vi-VN" sz="2600" dirty="0" err="1">
-                <a:latin typeface="Calibri (Thân)"/>
-              </a:rPr>
-              <a:t>số</a:t>
-            </a:r>
-            <a:r>
-              <a:rPr lang="vi-VN" sz="2600" dirty="0">
-                <a:latin typeface="Calibri (Thân)"/>
-              </a:rPr>
-              <a:t> </a:t>
-            </a:r>
-            <a:r>
-              <a:rPr lang="vi-VN" sz="2600" dirty="0" err="1">
-                <a:latin typeface="Calibri (Thân)"/>
-              </a:rPr>
-              <a:t>lượng</a:t>
-            </a:r>
-            <a:r>
-              <a:rPr lang="vi-VN" sz="2600" dirty="0">
-                <a:latin typeface="Calibri (Thân)"/>
-              </a:rPr>
-              <a:t> </a:t>
-            </a:r>
-            <a:r>
-              <a:rPr lang="vi-VN" sz="2600" dirty="0" err="1">
-                <a:latin typeface="Calibri (Thân)"/>
-              </a:rPr>
-              <a:t>server</a:t>
-            </a:r>
-            <a:r>
-              <a:rPr lang="vi-VN" sz="2600" dirty="0">
-                <a:latin typeface="Calibri (Thân)"/>
-              </a:rPr>
-              <a:t> </a:t>
-            </a:r>
-            <a:r>
-              <a:rPr lang="vi-VN" sz="2600" dirty="0" err="1">
-                <a:latin typeface="Calibri (Thân)"/>
-              </a:rPr>
-              <a:t>vừa</a:t>
-            </a:r>
-            <a:r>
-              <a:rPr lang="vi-VN" sz="2600" dirty="0">
-                <a:latin typeface="Calibri (Thân)"/>
-              </a:rPr>
-              <a:t> </a:t>
-            </a:r>
-            <a:r>
-              <a:rPr lang="vi-VN" sz="2600" dirty="0" err="1">
-                <a:latin typeface="Calibri (Thân)"/>
-              </a:rPr>
-              <a:t>đủ</a:t>
-            </a:r>
-            <a:r>
-              <a:rPr lang="vi-VN" sz="2600" dirty="0">
-                <a:latin typeface="Calibri (Thân)"/>
-              </a:rPr>
-              <a:t> </a:t>
-            </a:r>
-            <a:r>
-              <a:rPr lang="vi-VN" sz="2600" dirty="0" err="1">
-                <a:latin typeface="Calibri (Thân)"/>
-              </a:rPr>
-              <a:t>để</a:t>
-            </a:r>
-            <a:r>
-              <a:rPr lang="vi-VN" sz="2600" dirty="0">
-                <a:latin typeface="Calibri (Thân)"/>
-              </a:rPr>
-              <a:t> </a:t>
-            </a:r>
-            <a:r>
-              <a:rPr lang="vi-VN" sz="2600" dirty="0" err="1">
-                <a:latin typeface="Calibri (Thân)"/>
-              </a:rPr>
-              <a:t>có</a:t>
-            </a:r>
-            <a:r>
-              <a:rPr lang="vi-VN" sz="2600" dirty="0">
-                <a:latin typeface="Calibri (Thân)"/>
-              </a:rPr>
-              <a:t> </a:t>
-            </a:r>
-            <a:r>
-              <a:rPr lang="vi-VN" sz="2600" dirty="0" err="1">
-                <a:latin typeface="Calibri (Thân)"/>
-              </a:rPr>
-              <a:t>thể</a:t>
-            </a:r>
-            <a:r>
-              <a:rPr lang="vi-VN" sz="2600" dirty="0">
-                <a:latin typeface="Calibri (Thân)"/>
-              </a:rPr>
-              <a:t> </a:t>
-            </a:r>
-            <a:r>
-              <a:rPr lang="vi-VN" sz="2600" dirty="0" err="1">
-                <a:latin typeface="Calibri (Thân)"/>
-              </a:rPr>
-              <a:t>xử</a:t>
-            </a:r>
-            <a:r>
-              <a:rPr lang="vi-VN" sz="2600" dirty="0">
-                <a:latin typeface="Calibri (Thân)"/>
-              </a:rPr>
-              <a:t> </a:t>
-            </a:r>
-            <a:r>
-              <a:rPr lang="vi-VN" sz="2600" dirty="0" err="1">
-                <a:latin typeface="Calibri (Thân)"/>
-              </a:rPr>
-              <a:t>lý</a:t>
-            </a:r>
-            <a:r>
-              <a:rPr lang="vi-VN" sz="2600" dirty="0">
-                <a:latin typeface="Calibri (Thân)"/>
-              </a:rPr>
-              <a:t> </a:t>
-            </a:r>
-            <a:r>
-              <a:rPr lang="vi-VN" sz="2600" dirty="0" err="1">
-                <a:latin typeface="Calibri (Thân)"/>
-              </a:rPr>
-              <a:t>request</a:t>
-            </a:r>
-            <a:r>
-              <a:rPr lang="vi-VN" sz="2600" dirty="0">
-                <a:latin typeface="Calibri (Thân)"/>
-              </a:rPr>
-              <a:t> </a:t>
-            </a:r>
-            <a:r>
-              <a:rPr lang="vi-VN" sz="2600" dirty="0" err="1">
-                <a:latin typeface="Calibri (Thân)"/>
-              </a:rPr>
-              <a:t>capacity</a:t>
-            </a:r>
-            <a:r>
-              <a:rPr lang="vi-VN" sz="2600" dirty="0">
-                <a:latin typeface="Calibri (Thân)"/>
-              </a:rPr>
-              <a:t> </a:t>
-            </a:r>
-            <a:r>
-              <a:rPr lang="vi-VN" sz="2600" dirty="0" err="1">
-                <a:latin typeface="Calibri (Thân)"/>
-              </a:rPr>
-              <a:t>đặt</a:t>
-            </a:r>
-            <a:r>
-              <a:rPr lang="vi-VN" sz="2600" dirty="0">
-                <a:latin typeface="Calibri (Thân)"/>
-              </a:rPr>
-              <a:t> ra bơi </a:t>
+              <a:t>i </a:t>
             </a:r>
             <a:r>
               <a:rPr lang="vi-VN" sz="2600" dirty="0" err="1">
@@ -19449,7 +19109,7 @@
           <p:nvPr/>
         </p:nvPicPr>
         <p:blipFill>
-          <a:blip r:embed="rId3">
+          <a:blip r:embed="rId3" cstate="hqprint">
             <a:extLst>
               <a:ext uri="{28A0092B-C50C-407E-A947-70E740481C1C}">
                 <a14:useLocalDpi xmlns:a14="http://schemas.microsoft.com/office/drawing/2010/main" val="0"/>
@@ -21337,7 +20997,7 @@
           <p:nvPr/>
         </p:nvPicPr>
         <p:blipFill>
-          <a:blip r:embed="rId7">
+          <a:blip r:embed="rId7" cstate="hqprint">
             <a:extLst>
               <a:ext uri="{28A0092B-C50C-407E-A947-70E740481C1C}">
                 <a14:useLocalDpi xmlns:a14="http://schemas.microsoft.com/office/drawing/2010/main" val="0"/>
@@ -21384,7 +21044,7 @@
           <p:nvPr/>
         </p:nvPicPr>
         <p:blipFill>
-          <a:blip r:embed="rId8">
+          <a:blip r:embed="rId8" cstate="hqprint">
             <a:extLst>
               <a:ext uri="{28A0092B-C50C-407E-A947-70E740481C1C}">
                 <a14:useLocalDpi xmlns:a14="http://schemas.microsoft.com/office/drawing/2010/main" val="0"/>
@@ -21431,7 +21091,7 @@
           <p:nvPr/>
         </p:nvPicPr>
         <p:blipFill>
-          <a:blip r:embed="rId9">
+          <a:blip r:embed="rId9" cstate="hqprint">
             <a:extLst>
               <a:ext uri="{28A0092B-C50C-407E-A947-70E740481C1C}">
                 <a14:useLocalDpi xmlns:a14="http://schemas.microsoft.com/office/drawing/2010/main" val="0"/>
@@ -21478,7 +21138,7 @@
           <p:nvPr/>
         </p:nvPicPr>
         <p:blipFill>
-          <a:blip r:embed="rId10">
+          <a:blip r:embed="rId10" cstate="hqprint">
             <a:extLst>
               <a:ext uri="{28A0092B-C50C-407E-A947-70E740481C1C}">
                 <a14:useLocalDpi xmlns:a14="http://schemas.microsoft.com/office/drawing/2010/main" val="0"/>
@@ -21675,7 +21335,7 @@
           <p:nvPr/>
         </p:nvPicPr>
         <p:blipFill>
-          <a:blip r:embed="rId11">
+          <a:blip r:embed="rId11" cstate="hqprint">
             <a:extLst>
               <a:ext uri="{28A0092B-C50C-407E-A947-70E740481C1C}">
                 <a14:useLocalDpi xmlns:a14="http://schemas.microsoft.com/office/drawing/2010/main" val="0"/>
@@ -22049,7 +21709,7 @@
           <p:nvPr/>
         </p:nvPicPr>
         <p:blipFill>
-          <a:blip r:embed="rId12">
+          <a:blip r:embed="rId12" cstate="hqprint">
             <a:extLst>
               <a:ext uri="{28A0092B-C50C-407E-A947-70E740481C1C}">
                 <a14:useLocalDpi xmlns:a14="http://schemas.microsoft.com/office/drawing/2010/main" val="0"/>
@@ -22638,7 +22298,7 @@
           <p:nvPr/>
         </p:nvPicPr>
         <p:blipFill>
-          <a:blip r:embed="rId2">
+          <a:blip r:embed="rId2" cstate="hqprint">
             <a:extLst>
               <a:ext uri="{28A0092B-C50C-407E-A947-70E740481C1C}">
                 <a14:useLocalDpi xmlns:a14="http://schemas.microsoft.com/office/drawing/2010/main" val="0"/>
@@ -22823,7 +22483,7 @@
           <p:nvPr/>
         </p:nvPicPr>
         <p:blipFill>
-          <a:blip r:embed="rId4">
+          <a:blip r:embed="rId4" cstate="hqprint">
             <a:extLst>
               <a:ext uri="{28A0092B-C50C-407E-A947-70E740481C1C}">
                 <a14:useLocalDpi xmlns:a14="http://schemas.microsoft.com/office/drawing/2010/main" val="0"/>
@@ -23249,7 +22909,7 @@
           <p:nvPr/>
         </p:nvPicPr>
         <p:blipFill>
-          <a:blip r:embed="rId3">
+          <a:blip r:embed="rId3" cstate="hqprint">
             <a:extLst>
               <a:ext uri="{28A0092B-C50C-407E-A947-70E740481C1C}">
                 <a14:useLocalDpi xmlns:a14="http://schemas.microsoft.com/office/drawing/2010/main" val="0"/>
@@ -23393,7 +23053,7 @@
           <p:nvPr/>
         </p:nvPicPr>
         <p:blipFill>
-          <a:blip r:embed="rId3">
+          <a:blip r:embed="rId3" cstate="hqprint">
             <a:extLst>
               <a:ext uri="{28A0092B-C50C-407E-A947-70E740481C1C}">
                 <a14:useLocalDpi xmlns:a14="http://schemas.microsoft.com/office/drawing/2010/main" val="0"/>
@@ -23627,7 +23287,7 @@
           <p:nvPr/>
         </p:nvPicPr>
         <p:blipFill>
-          <a:blip r:embed="rId3">
+          <a:blip r:embed="rId3" cstate="hqprint">
             <a:extLst>
               <a:ext uri="{28A0092B-C50C-407E-A947-70E740481C1C}">
                 <a14:useLocalDpi xmlns:a14="http://schemas.microsoft.com/office/drawing/2010/main" val="0"/>
@@ -24093,7 +23753,7 @@
           <p:nvPr/>
         </p:nvPicPr>
         <p:blipFill>
-          <a:blip r:embed="rId3">
+          <a:blip r:embed="rId3" cstate="hqprint">
             <a:extLst>
               <a:ext uri="{28A0092B-C50C-407E-A947-70E740481C1C}">
                 <a14:useLocalDpi xmlns:a14="http://schemas.microsoft.com/office/drawing/2010/main" val="0"/>
@@ -24585,7 +24245,7 @@
           <p:nvPr/>
         </p:nvPicPr>
         <p:blipFill>
-          <a:blip r:embed="rId3">
+          <a:blip r:embed="rId3" cstate="hqprint">
             <a:extLst>
               <a:ext uri="{28A0092B-C50C-407E-A947-70E740481C1C}">
                 <a14:useLocalDpi xmlns:a14="http://schemas.microsoft.com/office/drawing/2010/main" val="0"/>
@@ -24885,6 +24545,22 @@
             </a:r>
             <a:r>
               <a:rPr lang="en-US" dirty="0"/>
+              <a:t>) (</a:t>
+            </a:r>
+            <a:r>
+              <a:rPr lang="en-US" dirty="0" err="1"/>
+              <a:t>cho</a:t>
+            </a:r>
+            <a:r>
+              <a:rPr lang="en-US" dirty="0"/>
+              <a:t> </a:t>
+            </a:r>
+            <a:r>
+              <a:rPr lang="en-US" dirty="0" err="1"/>
+              <a:t>N.Virginia</a:t>
+            </a:r>
+            <a:r>
+              <a:rPr lang="en-US" dirty="0"/>
               <a:t>)</a:t>
             </a:r>
           </a:p>
@@ -24926,8 +24602,8 @@
               <a:buNone/>
             </a:pPr>
             <a:r>
-              <a:rPr lang="en-US" dirty="0"/>
-              <a:t>	0.15$ </a:t>
+              <a:rPr lang="en-US"/>
+              <a:t>	0.08$ </a:t>
             </a:r>
             <a:r>
               <a:rPr lang="en-US" dirty="0" err="1"/>

--- a/9. Giới thiệu Amazon web service/Giới thiệu Amazon Web Service.pptx
+++ b/9. Giới thiệu Amazon web service/Giới thiệu Amazon Web Service.pptx
@@ -5,7 +5,7 @@
     <p:sldMasterId id="2147483648" r:id="rId1"/>
   </p:sldMasterIdLst>
   <p:notesMasterIdLst>
-    <p:notesMasterId r:id="rId19"/>
+    <p:notesMasterId r:id="rId22"/>
   </p:notesMasterIdLst>
   <p:sldIdLst>
     <p:sldId id="257" r:id="rId2"/>
@@ -21,10 +21,13 @@
     <p:sldId id="269" r:id="rId12"/>
     <p:sldId id="270" r:id="rId13"/>
     <p:sldId id="271" r:id="rId14"/>
-    <p:sldId id="273" r:id="rId15"/>
-    <p:sldId id="265" r:id="rId16"/>
-    <p:sldId id="274" r:id="rId17"/>
-    <p:sldId id="256" r:id="rId18"/>
+    <p:sldId id="276" r:id="rId15"/>
+    <p:sldId id="278" r:id="rId16"/>
+    <p:sldId id="279" r:id="rId17"/>
+    <p:sldId id="273" r:id="rId18"/>
+    <p:sldId id="265" r:id="rId19"/>
+    <p:sldId id="274" r:id="rId20"/>
+    <p:sldId id="256" r:id="rId21"/>
   </p:sldIdLst>
   <p:sldSz cx="12192000" cy="6858000"/>
   <p:notesSz cx="6858000" cy="9144000"/>
@@ -135,1143 +138,218 @@
 <pc:chgInfo xmlns:a="http://schemas.openxmlformats.org/drawingml/2006/main" xmlns:r="http://schemas.openxmlformats.org/officeDocument/2006/relationships" xmlns:ac="http://schemas.microsoft.com/office/drawing/2013/main/command" xmlns:pc="http://schemas.microsoft.com/office/powerpoint/2013/main/command">
   <pc:docChgLst>
     <pc:chgData name="Huong Nguyen" userId="a3438fb82b5343a2" providerId="LiveId" clId="{C14A037E-31B5-40DF-A04D-87CB46007AD5}"/>
+  </pc:docChgLst>
+  <pc:docChgLst>
+    <pc:chgData name="Huong Nguyen" userId="a3438fb82b5343a2" providerId="LiveId" clId="{2B8626EC-9D8B-4FC2-B698-408B6D5CE559}"/>
     <pc:docChg chg="undo custSel addSld delSld modSld sldOrd">
-      <pc:chgData name="Huong Nguyen" userId="a3438fb82b5343a2" providerId="LiveId" clId="{C14A037E-31B5-40DF-A04D-87CB46007AD5}" dt="2018-04-21T17:42:39.955" v="5805" actId="14100"/>
+      <pc:chgData name="Huong Nguyen" userId="a3438fb82b5343a2" providerId="LiveId" clId="{2B8626EC-9D8B-4FC2-B698-408B6D5CE559}" dt="2019-04-19T14:12:48.342" v="106"/>
       <pc:docMkLst>
         <pc:docMk/>
       </pc:docMkLst>
-      <pc:sldChg chg="addSp delSp modSp add">
-        <pc:chgData name="Huong Nguyen" userId="a3438fb82b5343a2" providerId="LiveId" clId="{C14A037E-31B5-40DF-A04D-87CB46007AD5}" dt="2018-04-21T17:42:39.955" v="5805" actId="14100"/>
+      <pc:sldChg chg="ord">
+        <pc:chgData name="Huong Nguyen" userId="a3438fb82b5343a2" providerId="LiveId" clId="{2B8626EC-9D8B-4FC2-B698-408B6D5CE559}" dt="2019-04-19T14:12:48.342" v="106"/>
         <pc:sldMkLst>
           <pc:docMk/>
-          <pc:sldMk cId="1809179010" sldId="256"/>
+          <pc:sldMk cId="3131900557" sldId="271"/>
         </pc:sldMkLst>
-        <pc:spChg chg="mod">
-          <ac:chgData name="Huong Nguyen" userId="a3438fb82b5343a2" providerId="LiveId" clId="{C14A037E-31B5-40DF-A04D-87CB46007AD5}" dt="2018-04-21T17:34:46.860" v="5487" actId="1076"/>
+      </pc:sldChg>
+      <pc:sldChg chg="addSp delSp modSp add del ord">
+        <pc:chgData name="Huong Nguyen" userId="a3438fb82b5343a2" providerId="LiveId" clId="{2B8626EC-9D8B-4FC2-B698-408B6D5CE559}" dt="2019-04-19T14:12:41.753" v="105" actId="2696"/>
+        <pc:sldMkLst>
+          <pc:docMk/>
+          <pc:sldMk cId="4197213767" sldId="275"/>
+        </pc:sldMkLst>
+        <pc:spChg chg="del">
+          <ac:chgData name="Huong Nguyen" userId="a3438fb82b5343a2" providerId="LiveId" clId="{2B8626EC-9D8B-4FC2-B698-408B6D5CE559}" dt="2019-04-19T13:48:18.261" v="2" actId="478"/>
           <ac:spMkLst>
             <pc:docMk/>
-            <pc:sldMk cId="1809179010" sldId="256"/>
-            <ac:spMk id="11" creationId="{00000000-0000-0000-0000-000000000000}"/>
+            <pc:sldMk cId="4197213767" sldId="275"/>
+            <ac:spMk id="6" creationId="{019F748B-F571-42FD-8161-0E6A8576715F}"/>
           </ac:spMkLst>
         </pc:spChg>
-        <pc:spChg chg="mod">
-          <ac:chgData name="Huong Nguyen" userId="a3438fb82b5343a2" providerId="LiveId" clId="{C14A037E-31B5-40DF-A04D-87CB46007AD5}" dt="2018-04-21T17:30:48.947" v="5412" actId="14100"/>
-          <ac:spMkLst>
-            <pc:docMk/>
-            <pc:sldMk cId="1809179010" sldId="256"/>
-            <ac:spMk id="17" creationId="{00000000-0000-0000-0000-000000000000}"/>
-          </ac:spMkLst>
-        </pc:spChg>
-        <pc:spChg chg="mod">
-          <ac:chgData name="Huong Nguyen" userId="a3438fb82b5343a2" providerId="LiveId" clId="{C14A037E-31B5-40DF-A04D-87CB46007AD5}" dt="2018-04-21T17:37:34.466" v="5646" actId="1036"/>
-          <ac:spMkLst>
-            <pc:docMk/>
-            <pc:sldMk cId="1809179010" sldId="256"/>
-            <ac:spMk id="19" creationId="{00000000-0000-0000-0000-000000000000}"/>
-          </ac:spMkLst>
-        </pc:spChg>
-        <pc:spChg chg="del mod">
-          <ac:chgData name="Huong Nguyen" userId="a3438fb82b5343a2" providerId="LiveId" clId="{C14A037E-31B5-40DF-A04D-87CB46007AD5}" dt="2018-04-21T14:59:29.734" v="5314" actId="478"/>
-          <ac:spMkLst>
-            <pc:docMk/>
-            <pc:sldMk cId="1809179010" sldId="256"/>
-            <ac:spMk id="21" creationId="{00000000-0000-0000-0000-000000000000}"/>
-          </ac:spMkLst>
-        </pc:spChg>
-        <pc:spChg chg="mod">
-          <ac:chgData name="Huong Nguyen" userId="a3438fb82b5343a2" providerId="LiveId" clId="{C14A037E-31B5-40DF-A04D-87CB46007AD5}" dt="2018-04-21T15:03:52.794" v="5327" actId="1076"/>
-          <ac:spMkLst>
-            <pc:docMk/>
-            <pc:sldMk cId="1809179010" sldId="256"/>
-            <ac:spMk id="25" creationId="{00000000-0000-0000-0000-000000000000}"/>
-          </ac:spMkLst>
-        </pc:spChg>
-        <pc:spChg chg="del mod">
-          <ac:chgData name="Huong Nguyen" userId="a3438fb82b5343a2" providerId="LiveId" clId="{C14A037E-31B5-40DF-A04D-87CB46007AD5}" dt="2018-04-21T14:58:30.194" v="5299" actId="478"/>
-          <ac:spMkLst>
-            <pc:docMk/>
-            <pc:sldMk cId="1809179010" sldId="256"/>
-            <ac:spMk id="28" creationId="{00000000-0000-0000-0000-000000000000}"/>
-          </ac:spMkLst>
-        </pc:spChg>
-        <pc:spChg chg="del">
-          <ac:chgData name="Huong Nguyen" userId="a3438fb82b5343a2" providerId="LiveId" clId="{C14A037E-31B5-40DF-A04D-87CB46007AD5}" dt="2018-04-21T14:58:29.117" v="5298" actId="478"/>
-          <ac:spMkLst>
-            <pc:docMk/>
-            <pc:sldMk cId="1809179010" sldId="256"/>
-            <ac:spMk id="36" creationId="{00000000-0000-0000-0000-000000000000}"/>
-          </ac:spMkLst>
-        </pc:spChg>
-        <pc:spChg chg="del">
-          <ac:chgData name="Huong Nguyen" userId="a3438fb82b5343a2" providerId="LiveId" clId="{C14A037E-31B5-40DF-A04D-87CB46007AD5}" dt="2018-04-21T14:56:03.300" v="5259" actId="478"/>
-          <ac:spMkLst>
-            <pc:docMk/>
-            <pc:sldMk cId="1809179010" sldId="256"/>
-            <ac:spMk id="41" creationId="{00000000-0000-0000-0000-000000000000}"/>
-          </ac:spMkLst>
-        </pc:spChg>
-        <pc:spChg chg="del">
-          <ac:chgData name="Huong Nguyen" userId="a3438fb82b5343a2" providerId="LiveId" clId="{C14A037E-31B5-40DF-A04D-87CB46007AD5}" dt="2018-04-21T14:58:33.866" v="5302" actId="478"/>
-          <ac:spMkLst>
-            <pc:docMk/>
-            <pc:sldMk cId="1809179010" sldId="256"/>
-            <ac:spMk id="42" creationId="{00000000-0000-0000-0000-000000000000}"/>
-          </ac:spMkLst>
-        </pc:spChg>
-        <pc:spChg chg="mod">
-          <ac:chgData name="Huong Nguyen" userId="a3438fb82b5343a2" providerId="LiveId" clId="{C14A037E-31B5-40DF-A04D-87CB46007AD5}" dt="2018-04-21T15:04:04.306" v="5331" actId="1076"/>
-          <ac:spMkLst>
-            <pc:docMk/>
-            <pc:sldMk cId="1809179010" sldId="256"/>
-            <ac:spMk id="49" creationId="{00000000-0000-0000-0000-000000000000}"/>
-          </ac:spMkLst>
-        </pc:spChg>
-        <pc:spChg chg="add del mod">
-          <ac:chgData name="Huong Nguyen" userId="a3438fb82b5343a2" providerId="LiveId" clId="{C14A037E-31B5-40DF-A04D-87CB46007AD5}" dt="2018-04-21T14:57:43.333" v="5289" actId="478"/>
-          <ac:spMkLst>
-            <pc:docMk/>
-            <pc:sldMk cId="1809179010" sldId="256"/>
-            <ac:spMk id="54" creationId="{941BDE8B-D40C-482B-983E-9FD7E60E69A0}"/>
-          </ac:spMkLst>
-        </pc:spChg>
-        <pc:spChg chg="mod">
-          <ac:chgData name="Huong Nguyen" userId="a3438fb82b5343a2" providerId="LiveId" clId="{C14A037E-31B5-40DF-A04D-87CB46007AD5}" dt="2018-04-21T17:42:39.955" v="5805" actId="14100"/>
-          <ac:spMkLst>
-            <pc:docMk/>
-            <pc:sldMk cId="1809179010" sldId="256"/>
-            <ac:spMk id="56" creationId="{00000000-0000-0000-0000-000000000000}"/>
-          </ac:spMkLst>
-        </pc:spChg>
-        <pc:spChg chg="del mod">
-          <ac:chgData name="Huong Nguyen" userId="a3438fb82b5343a2" providerId="LiveId" clId="{C14A037E-31B5-40DF-A04D-87CB46007AD5}" dt="2018-04-21T14:56:21.581" v="5263" actId="478"/>
-          <ac:spMkLst>
-            <pc:docMk/>
-            <pc:sldMk cId="1809179010" sldId="256"/>
-            <ac:spMk id="68" creationId="{00000000-0000-0000-0000-000000000000}"/>
-          </ac:spMkLst>
-        </pc:spChg>
-        <pc:spChg chg="del mod">
-          <ac:chgData name="Huong Nguyen" userId="a3438fb82b5343a2" providerId="LiveId" clId="{C14A037E-31B5-40DF-A04D-87CB46007AD5}" dt="2018-04-21T14:54:38.038" v="5247" actId="478"/>
-          <ac:spMkLst>
-            <pc:docMk/>
-            <pc:sldMk cId="1809179010" sldId="256"/>
-            <ac:spMk id="84" creationId="{00000000-0000-0000-0000-000000000000}"/>
-          </ac:spMkLst>
-        </pc:spChg>
-        <pc:spChg chg="mod">
-          <ac:chgData name="Huong Nguyen" userId="a3438fb82b5343a2" providerId="LiveId" clId="{C14A037E-31B5-40DF-A04D-87CB46007AD5}" dt="2018-04-21T15:06:16.704" v="5343" actId="20577"/>
-          <ac:spMkLst>
-            <pc:docMk/>
-            <pc:sldMk cId="1809179010" sldId="256"/>
-            <ac:spMk id="85" creationId="{00000000-0000-0000-0000-000000000000}"/>
-          </ac:spMkLst>
-        </pc:spChg>
-        <pc:spChg chg="mod">
-          <ac:chgData name="Huong Nguyen" userId="a3438fb82b5343a2" providerId="LiveId" clId="{C14A037E-31B5-40DF-A04D-87CB46007AD5}" dt="2018-04-21T17:40:11.684" v="5683" actId="1076"/>
-          <ac:spMkLst>
-            <pc:docMk/>
-            <pc:sldMk cId="1809179010" sldId="256"/>
-            <ac:spMk id="89" creationId="{00000000-0000-0000-0000-000000000000}"/>
-          </ac:spMkLst>
-        </pc:spChg>
-        <pc:spChg chg="del">
-          <ac:chgData name="Huong Nguyen" userId="a3438fb82b5343a2" providerId="LiveId" clId="{C14A037E-31B5-40DF-A04D-87CB46007AD5}" dt="2018-04-21T14:56:02.109" v="5258" actId="478"/>
-          <ac:spMkLst>
-            <pc:docMk/>
-            <pc:sldMk cId="1809179010" sldId="256"/>
-            <ac:spMk id="90" creationId="{00000000-0000-0000-0000-000000000000}"/>
-          </ac:spMkLst>
-        </pc:spChg>
-        <pc:spChg chg="add mod">
-          <ac:chgData name="Huong Nguyen" userId="a3438fb82b5343a2" providerId="LiveId" clId="{C14A037E-31B5-40DF-A04D-87CB46007AD5}" dt="2018-04-21T17:35:57.299" v="5567" actId="1076"/>
-          <ac:spMkLst>
-            <pc:docMk/>
-            <pc:sldMk cId="1809179010" sldId="256"/>
-            <ac:spMk id="96" creationId="{40096C32-62E1-41F0-B235-12D764A6CF5A}"/>
-          </ac:spMkLst>
-        </pc:spChg>
-        <pc:spChg chg="mod">
-          <ac:chgData name="Huong Nguyen" userId="a3438fb82b5343a2" providerId="LiveId" clId="{C14A037E-31B5-40DF-A04D-87CB46007AD5}" dt="2018-04-21T17:37:42.403" v="5647" actId="1076"/>
-          <ac:spMkLst>
-            <pc:docMk/>
-            <pc:sldMk cId="1809179010" sldId="256"/>
-            <ac:spMk id="107" creationId="{00000000-0000-0000-0000-000000000000}"/>
-          </ac:spMkLst>
-        </pc:spChg>
-        <pc:spChg chg="mod">
-          <ac:chgData name="Huong Nguyen" userId="a3438fb82b5343a2" providerId="LiveId" clId="{C14A037E-31B5-40DF-A04D-87CB46007AD5}" dt="2018-04-21T17:35:45.163" v="5564" actId="1076"/>
-          <ac:spMkLst>
-            <pc:docMk/>
-            <pc:sldMk cId="1809179010" sldId="256"/>
-            <ac:spMk id="108" creationId="{00000000-0000-0000-0000-000000000000}"/>
-          </ac:spMkLst>
-        </pc:spChg>
-        <pc:spChg chg="del">
-          <ac:chgData name="Huong Nguyen" userId="a3438fb82b5343a2" providerId="LiveId" clId="{C14A037E-31B5-40DF-A04D-87CB46007AD5}" dt="2018-04-21T14:54:34.305" v="5244" actId="478"/>
-          <ac:spMkLst>
-            <pc:docMk/>
-            <pc:sldMk cId="1809179010" sldId="256"/>
-            <ac:spMk id="118" creationId="{00000000-0000-0000-0000-000000000000}"/>
-          </ac:spMkLst>
-        </pc:spChg>
-        <pc:spChg chg="del">
-          <ac:chgData name="Huong Nguyen" userId="a3438fb82b5343a2" providerId="LiveId" clId="{C14A037E-31B5-40DF-A04D-87CB46007AD5}" dt="2018-04-21T14:55:41.262" v="5254" actId="478"/>
-          <ac:spMkLst>
-            <pc:docMk/>
-            <pc:sldMk cId="1809179010" sldId="256"/>
-            <ac:spMk id="133" creationId="{00000000-0000-0000-0000-000000000000}"/>
-          </ac:spMkLst>
-        </pc:spChg>
-        <pc:spChg chg="del">
-          <ac:chgData name="Huong Nguyen" userId="a3438fb82b5343a2" providerId="LiveId" clId="{C14A037E-31B5-40DF-A04D-87CB46007AD5}" dt="2018-04-21T14:55:58.227" v="5255" actId="478"/>
-          <ac:spMkLst>
-            <pc:docMk/>
-            <pc:sldMk cId="1809179010" sldId="256"/>
-            <ac:spMk id="144" creationId="{00000000-0000-0000-0000-000000000000}"/>
-          </ac:spMkLst>
-        </pc:spChg>
-        <pc:spChg chg="add mod">
-          <ac:chgData name="Huong Nguyen" userId="a3438fb82b5343a2" providerId="LiveId" clId="{C14A037E-31B5-40DF-A04D-87CB46007AD5}" dt="2018-04-21T17:41:22.309" v="5778" actId="1076"/>
-          <ac:spMkLst>
-            <pc:docMk/>
-            <pc:sldMk cId="1809179010" sldId="256"/>
-            <ac:spMk id="145" creationId="{C78D6664-F360-45AC-8A8C-A7C6B8106CFC}"/>
-          </ac:spMkLst>
-        </pc:spChg>
-        <pc:spChg chg="del">
-          <ac:chgData name="Huong Nguyen" userId="a3438fb82b5343a2" providerId="LiveId" clId="{C14A037E-31B5-40DF-A04D-87CB46007AD5}" dt="2018-04-21T14:54:50.093" v="5248" actId="478"/>
-          <ac:spMkLst>
-            <pc:docMk/>
-            <pc:sldMk cId="1809179010" sldId="256"/>
-            <ac:spMk id="155" creationId="{00000000-0000-0000-0000-000000000000}"/>
-          </ac:spMkLst>
-        </pc:spChg>
-        <pc:spChg chg="del mod">
-          <ac:chgData name="Huong Nguyen" userId="a3438fb82b5343a2" providerId="LiveId" clId="{C14A037E-31B5-40DF-A04D-87CB46007AD5}" dt="2018-04-21T15:07:53.237" v="5368" actId="478"/>
-          <ac:spMkLst>
-            <pc:docMk/>
-            <pc:sldMk cId="1809179010" sldId="256"/>
-            <ac:spMk id="158" creationId="{00000000-0000-0000-0000-000000000000}"/>
-          </ac:spMkLst>
-        </pc:spChg>
-        <pc:spChg chg="add mod">
-          <ac:chgData name="Huong Nguyen" userId="a3438fb82b5343a2" providerId="LiveId" clId="{C14A037E-31B5-40DF-A04D-87CB46007AD5}" dt="2018-04-21T17:39:44.467" v="5680" actId="14100"/>
-          <ac:spMkLst>
-            <pc:docMk/>
-            <pc:sldMk cId="1809179010" sldId="256"/>
-            <ac:spMk id="184" creationId="{3B3295BE-6CBF-46F1-8E81-7D81E737472D}"/>
-          </ac:spMkLst>
-        </pc:spChg>
-        <pc:spChg chg="add mod">
-          <ac:chgData name="Huong Nguyen" userId="a3438fb82b5343a2" providerId="LiveId" clId="{C14A037E-31B5-40DF-A04D-87CB46007AD5}" dt="2018-04-21T17:40:33.131" v="5765" actId="688"/>
-          <ac:spMkLst>
-            <pc:docMk/>
-            <pc:sldMk cId="1809179010" sldId="256"/>
-            <ac:spMk id="193" creationId="{31E46ED6-47B5-4418-8037-386239A1435E}"/>
-          </ac:spMkLst>
-        </pc:spChg>
-        <pc:spChg chg="add mod">
-          <ac:chgData name="Huong Nguyen" userId="a3438fb82b5343a2" providerId="LiveId" clId="{C14A037E-31B5-40DF-A04D-87CB46007AD5}" dt="2018-04-21T17:41:01.771" v="5774" actId="1076"/>
-          <ac:spMkLst>
-            <pc:docMk/>
-            <pc:sldMk cId="1809179010" sldId="256"/>
-            <ac:spMk id="194" creationId="{F06DE842-2898-4BC4-8B68-B2ED984D9DA7}"/>
-          </ac:spMkLst>
-        </pc:spChg>
-        <pc:spChg chg="add mod">
-          <ac:chgData name="Huong Nguyen" userId="a3438fb82b5343a2" providerId="LiveId" clId="{C14A037E-31B5-40DF-A04D-87CB46007AD5}" dt="2018-04-21T17:42:27.491" v="5803" actId="1076"/>
-          <ac:spMkLst>
-            <pc:docMk/>
-            <pc:sldMk cId="1809179010" sldId="256"/>
-            <ac:spMk id="199" creationId="{E2F57A98-13EC-45F8-A4D1-90632C978536}"/>
-          </ac:spMkLst>
-        </pc:spChg>
-        <pc:spChg chg="add del">
-          <ac:chgData name="Huong Nguyen" userId="a3438fb82b5343a2" providerId="LiveId" clId="{C14A037E-31B5-40DF-A04D-87CB46007AD5}" dt="2018-04-21T17:38:27.046" v="5655"/>
-          <ac:spMkLst>
-            <pc:docMk/>
-            <pc:sldMk cId="1809179010" sldId="256"/>
-            <ac:spMk id="16407" creationId="{30FBA126-4FD4-48E9-B229-88FD33F61919}"/>
-          </ac:spMkLst>
-        </pc:spChg>
-        <pc:spChg chg="add del">
-          <ac:chgData name="Huong Nguyen" userId="a3438fb82b5343a2" providerId="LiveId" clId="{C14A037E-31B5-40DF-A04D-87CB46007AD5}" dt="2018-04-21T17:38:32.260" v="5657"/>
-          <ac:spMkLst>
-            <pc:docMk/>
-            <pc:sldMk cId="1809179010" sldId="256"/>
-            <ac:spMk id="16408" creationId="{9AA91941-7E80-4953-9132-358B9DAFDF4D}"/>
-          </ac:spMkLst>
-        </pc:spChg>
-        <pc:picChg chg="add mod">
-          <ac:chgData name="Huong Nguyen" userId="a3438fb82b5343a2" providerId="LiveId" clId="{C14A037E-31B5-40DF-A04D-87CB46007AD5}" dt="2018-04-21T17:37:34.466" v="5646" actId="1036"/>
+        <pc:picChg chg="del">
+          <ac:chgData name="Huong Nguyen" userId="a3438fb82b5343a2" providerId="LiveId" clId="{2B8626EC-9D8B-4FC2-B698-408B6D5CE559}" dt="2019-04-19T13:48:16.386" v="1" actId="478"/>
           <ac:picMkLst>
             <pc:docMk/>
-            <pc:sldMk cId="1809179010" sldId="256"/>
-            <ac:picMk id="116" creationId="{A38C1102-26DD-4D7F-A6B0-D68A80F0937A}"/>
+            <pc:sldMk cId="4197213767" sldId="275"/>
+            <ac:picMk id="3" creationId="{D269E8DD-9695-4D74-9916-72A6388DD49C}"/>
           </ac:picMkLst>
         </pc:picChg>
         <pc:picChg chg="add mod">
-          <ac:chgData name="Huong Nguyen" userId="a3438fb82b5343a2" providerId="LiveId" clId="{C14A037E-31B5-40DF-A04D-87CB46007AD5}" dt="2018-04-21T17:42:33.987" v="5804" actId="1076"/>
+          <ac:chgData name="Huong Nguyen" userId="a3438fb82b5343a2" providerId="LiveId" clId="{2B8626EC-9D8B-4FC2-B698-408B6D5CE559}" dt="2019-04-19T13:48:29.852" v="6" actId="1076"/>
           <ac:picMkLst>
             <pc:docMk/>
-            <pc:sldMk cId="1809179010" sldId="256"/>
-            <ac:picMk id="121" creationId="{CAA38088-8BEC-464B-84DC-C1B55281F2F0}"/>
-          </ac:picMkLst>
-        </pc:picChg>
-        <pc:picChg chg="add mod">
-          <ac:chgData name="Huong Nguyen" userId="a3438fb82b5343a2" providerId="LiveId" clId="{C14A037E-31B5-40DF-A04D-87CB46007AD5}" dt="2018-04-21T17:32:19.211" v="5427" actId="1076"/>
-          <ac:picMkLst>
-            <pc:docMk/>
-            <pc:sldMk cId="1809179010" sldId="256"/>
-            <ac:picMk id="122" creationId="{DBA33B8A-B803-4C1B-967B-79BDC2C8AA67}"/>
-          </ac:picMkLst>
-        </pc:picChg>
-        <pc:picChg chg="add del mod">
-          <ac:chgData name="Huong Nguyen" userId="a3438fb82b5343a2" providerId="LiveId" clId="{C14A037E-31B5-40DF-A04D-87CB46007AD5}" dt="2018-04-21T17:33:43.294" v="5456" actId="478"/>
-          <ac:picMkLst>
-            <pc:docMk/>
-            <pc:sldMk cId="1809179010" sldId="256"/>
-            <ac:picMk id="146" creationId="{42D1E5D1-17FF-4F2B-ADA6-C9DF6DBD8F4C}"/>
-          </ac:picMkLst>
-        </pc:picChg>
-        <pc:picChg chg="add del mod">
-          <ac:chgData name="Huong Nguyen" userId="a3438fb82b5343a2" providerId="LiveId" clId="{C14A037E-31B5-40DF-A04D-87CB46007AD5}" dt="2018-04-21T17:38:58.431" v="5663" actId="478"/>
-          <ac:picMkLst>
-            <pc:docMk/>
-            <pc:sldMk cId="1809179010" sldId="256"/>
-            <ac:picMk id="185" creationId="{74A58472-1DBD-4040-925B-3CC5E3498C77}"/>
-          </ac:picMkLst>
-        </pc:picChg>
-        <pc:picChg chg="add del mod">
-          <ac:chgData name="Huong Nguyen" userId="a3438fb82b5343a2" providerId="LiveId" clId="{C14A037E-31B5-40DF-A04D-87CB46007AD5}" dt="2018-04-21T17:31:47.602" v="5416"/>
-          <ac:picMkLst>
-            <pc:docMk/>
-            <pc:sldMk cId="1809179010" sldId="256"/>
-            <ac:picMk id="16386" creationId="{9002E8C7-483C-413E-8EF9-4D6CA94FFDA5}"/>
-          </ac:picMkLst>
-        </pc:picChg>
-        <pc:picChg chg="add mod">
-          <ac:chgData name="Huong Nguyen" userId="a3438fb82b5343a2" providerId="LiveId" clId="{C14A037E-31B5-40DF-A04D-87CB46007AD5}" dt="2018-04-21T17:35:57.299" v="5567" actId="1076"/>
-          <ac:picMkLst>
-            <pc:docMk/>
-            <pc:sldMk cId="1809179010" sldId="256"/>
-            <ac:picMk id="16388" creationId="{842D8A59-9F2A-4143-B3C7-A81EE9A3E87B}"/>
-          </ac:picMkLst>
-        </pc:picChg>
-        <pc:picChg chg="add mod">
-          <ac:chgData name="Huong Nguyen" userId="a3438fb82b5343a2" providerId="LiveId" clId="{C14A037E-31B5-40DF-A04D-87CB46007AD5}" dt="2018-04-21T17:37:27.552" v="5633" actId="1036"/>
-          <ac:picMkLst>
-            <pc:docMk/>
-            <pc:sldMk cId="1809179010" sldId="256"/>
-            <ac:picMk id="16390" creationId="{1BF7C78D-F8FE-44AE-B43E-D89F9C585A46}"/>
-          </ac:picMkLst>
-        </pc:picChg>
-        <pc:picChg chg="add mod">
-          <ac:chgData name="Huong Nguyen" userId="a3438fb82b5343a2" providerId="LiveId" clId="{C14A037E-31B5-40DF-A04D-87CB46007AD5}" dt="2018-04-21T17:39:47.071" v="5681" actId="1037"/>
-          <ac:picMkLst>
-            <pc:docMk/>
-            <pc:sldMk cId="1809179010" sldId="256"/>
-            <ac:picMk id="16409" creationId="{72C325CB-C074-4AD7-89C4-5B51447D892D}"/>
-          </ac:picMkLst>
-        </pc:picChg>
-        <pc:cxnChg chg="del mod">
-          <ac:chgData name="Huong Nguyen" userId="a3438fb82b5343a2" providerId="LiveId" clId="{C14A037E-31B5-40DF-A04D-87CB46007AD5}" dt="2018-04-21T14:58:31.238" v="5300" actId="478"/>
-          <ac:cxnSpMkLst>
-            <pc:docMk/>
-            <pc:sldMk cId="1809179010" sldId="256"/>
-            <ac:cxnSpMk id="6" creationId="{00000000-0000-0000-0000-000000000000}"/>
-          </ac:cxnSpMkLst>
-        </pc:cxnChg>
-        <pc:cxnChg chg="mod">
-          <ac:chgData name="Huong Nguyen" userId="a3438fb82b5343a2" providerId="LiveId" clId="{C14A037E-31B5-40DF-A04D-87CB46007AD5}" dt="2018-04-21T17:30:48.947" v="5412" actId="14100"/>
-          <ac:cxnSpMkLst>
-            <pc:docMk/>
-            <pc:sldMk cId="1809179010" sldId="256"/>
-            <ac:cxnSpMk id="26" creationId="{00000000-0000-0000-0000-000000000000}"/>
-          </ac:cxnSpMkLst>
-        </pc:cxnChg>
-        <pc:cxnChg chg="mod">
-          <ac:chgData name="Huong Nguyen" userId="a3438fb82b5343a2" providerId="LiveId" clId="{C14A037E-31B5-40DF-A04D-87CB46007AD5}" dt="2018-04-21T17:37:34.466" v="5646" actId="1036"/>
-          <ac:cxnSpMkLst>
-            <pc:docMk/>
-            <pc:sldMk cId="1809179010" sldId="256"/>
-            <ac:cxnSpMk id="27" creationId="{00000000-0000-0000-0000-000000000000}"/>
-          </ac:cxnSpMkLst>
-        </pc:cxnChg>
-        <pc:cxnChg chg="del mod">
-          <ac:chgData name="Huong Nguyen" userId="a3438fb82b5343a2" providerId="LiveId" clId="{C14A037E-31B5-40DF-A04D-87CB46007AD5}" dt="2018-04-21T14:59:30.958" v="5315" actId="478"/>
-          <ac:cxnSpMkLst>
-            <pc:docMk/>
-            <pc:sldMk cId="1809179010" sldId="256"/>
-            <ac:cxnSpMk id="30" creationId="{00000000-0000-0000-0000-000000000000}"/>
-          </ac:cxnSpMkLst>
-        </pc:cxnChg>
-        <pc:cxnChg chg="mod">
-          <ac:chgData name="Huong Nguyen" userId="a3438fb82b5343a2" providerId="LiveId" clId="{C14A037E-31B5-40DF-A04D-87CB46007AD5}" dt="2018-04-21T17:30:48.947" v="5412" actId="14100"/>
-          <ac:cxnSpMkLst>
-            <pc:docMk/>
-            <pc:sldMk cId="1809179010" sldId="256"/>
-            <ac:cxnSpMk id="33" creationId="{00000000-0000-0000-0000-000000000000}"/>
-          </ac:cxnSpMkLst>
-        </pc:cxnChg>
-        <pc:cxnChg chg="del mod">
-          <ac:chgData name="Huong Nguyen" userId="a3438fb82b5343a2" providerId="LiveId" clId="{C14A037E-31B5-40DF-A04D-87CB46007AD5}" dt="2018-04-21T14:59:32.342" v="5316" actId="478"/>
-          <ac:cxnSpMkLst>
-            <pc:docMk/>
-            <pc:sldMk cId="1809179010" sldId="256"/>
-            <ac:cxnSpMk id="35" creationId="{00000000-0000-0000-0000-000000000000}"/>
-          </ac:cxnSpMkLst>
-        </pc:cxnChg>
-        <pc:cxnChg chg="del mod">
-          <ac:chgData name="Huong Nguyen" userId="a3438fb82b5343a2" providerId="LiveId" clId="{C14A037E-31B5-40DF-A04D-87CB46007AD5}" dt="2018-04-21T14:58:32.316" v="5301" actId="478"/>
-          <ac:cxnSpMkLst>
-            <pc:docMk/>
-            <pc:sldMk cId="1809179010" sldId="256"/>
-            <ac:cxnSpMk id="39" creationId="{00000000-0000-0000-0000-000000000000}"/>
-          </ac:cxnSpMkLst>
-        </pc:cxnChg>
-        <pc:cxnChg chg="del mod">
-          <ac:chgData name="Huong Nguyen" userId="a3438fb82b5343a2" providerId="LiveId" clId="{C14A037E-31B5-40DF-A04D-87CB46007AD5}" dt="2018-04-21T14:56:48.005" v="5269" actId="478"/>
-          <ac:cxnSpMkLst>
-            <pc:docMk/>
-            <pc:sldMk cId="1809179010" sldId="256"/>
-            <ac:cxnSpMk id="43" creationId="{00000000-0000-0000-0000-000000000000}"/>
-          </ac:cxnSpMkLst>
-        </pc:cxnChg>
-        <pc:cxnChg chg="add mod">
-          <ac:chgData name="Huong Nguyen" userId="a3438fb82b5343a2" providerId="LiveId" clId="{C14A037E-31B5-40DF-A04D-87CB46007AD5}" dt="2018-04-21T17:35:57.299" v="5567" actId="1076"/>
-          <ac:cxnSpMkLst>
-            <pc:docMk/>
-            <pc:sldMk cId="1809179010" sldId="256"/>
-            <ac:cxnSpMk id="48" creationId="{89843496-201E-4F2F-9030-48923D723972}"/>
-          </ac:cxnSpMkLst>
-        </pc:cxnChg>
-        <pc:cxnChg chg="del mod">
-          <ac:chgData name="Huong Nguyen" userId="a3438fb82b5343a2" providerId="LiveId" clId="{C14A037E-31B5-40DF-A04D-87CB46007AD5}" dt="2018-04-21T14:56:19.364" v="5262" actId="478"/>
-          <ac:cxnSpMkLst>
-            <pc:docMk/>
-            <pc:sldMk cId="1809179010" sldId="256"/>
-            <ac:cxnSpMk id="53" creationId="{00000000-0000-0000-0000-000000000000}"/>
-          </ac:cxnSpMkLst>
-        </pc:cxnChg>
-        <pc:cxnChg chg="del mod">
-          <ac:chgData name="Huong Nguyen" userId="a3438fb82b5343a2" providerId="LiveId" clId="{C14A037E-31B5-40DF-A04D-87CB46007AD5}" dt="2018-04-21T14:54:35.654" v="5245" actId="478"/>
-          <ac:cxnSpMkLst>
-            <pc:docMk/>
-            <pc:sldMk cId="1809179010" sldId="256"/>
-            <ac:cxnSpMk id="55" creationId="{00000000-0000-0000-0000-000000000000}"/>
-          </ac:cxnSpMkLst>
-        </pc:cxnChg>
-        <pc:cxnChg chg="del mod">
-          <ac:chgData name="Huong Nguyen" userId="a3438fb82b5343a2" providerId="LiveId" clId="{C14A037E-31B5-40DF-A04D-87CB46007AD5}" dt="2018-04-21T15:04:46.971" v="5339" actId="478"/>
-          <ac:cxnSpMkLst>
-            <pc:docMk/>
-            <pc:sldMk cId="1809179010" sldId="256"/>
-            <ac:cxnSpMk id="57" creationId="{00000000-0000-0000-0000-000000000000}"/>
-          </ac:cxnSpMkLst>
-        </pc:cxnChg>
-        <pc:cxnChg chg="add mod">
-          <ac:chgData name="Huong Nguyen" userId="a3438fb82b5343a2" providerId="LiveId" clId="{C14A037E-31B5-40DF-A04D-87CB46007AD5}" dt="2018-04-21T17:39:53.131" v="5682" actId="14100"/>
-          <ac:cxnSpMkLst>
-            <pc:docMk/>
-            <pc:sldMk cId="1809179010" sldId="256"/>
-            <ac:cxnSpMk id="73" creationId="{5B634E5C-6FAE-4C09-9C40-2B5041CEE8B0}"/>
-          </ac:cxnSpMkLst>
-        </pc:cxnChg>
-        <pc:cxnChg chg="add del mod">
-          <ac:chgData name="Huong Nguyen" userId="a3438fb82b5343a2" providerId="LiveId" clId="{C14A037E-31B5-40DF-A04D-87CB46007AD5}" dt="2018-04-21T15:06:53.993" v="5350" actId="478"/>
-          <ac:cxnSpMkLst>
-            <pc:docMk/>
-            <pc:sldMk cId="1809179010" sldId="256"/>
-            <ac:cxnSpMk id="91" creationId="{EE351678-B66B-42F4-9FDD-04CBFE0AEB38}"/>
-          </ac:cxnSpMkLst>
-        </pc:cxnChg>
-        <pc:cxnChg chg="add del mod">
-          <ac:chgData name="Huong Nguyen" userId="a3438fb82b5343a2" providerId="LiveId" clId="{C14A037E-31B5-40DF-A04D-87CB46007AD5}" dt="2018-04-21T17:28:51.843" v="5375" actId="478"/>
-          <ac:cxnSpMkLst>
-            <pc:docMk/>
-            <pc:sldMk cId="1809179010" sldId="256"/>
-            <ac:cxnSpMk id="97" creationId="{712BB96B-908F-4488-8FF4-6E25B2E16DC1}"/>
-          </ac:cxnSpMkLst>
-        </pc:cxnChg>
-        <pc:cxnChg chg="add mod">
-          <ac:chgData name="Huong Nguyen" userId="a3438fb82b5343a2" providerId="LiveId" clId="{C14A037E-31B5-40DF-A04D-87CB46007AD5}" dt="2018-04-21T17:35:57.299" v="5567" actId="1076"/>
-          <ac:cxnSpMkLst>
-            <pc:docMk/>
-            <pc:sldMk cId="1809179010" sldId="256"/>
-            <ac:cxnSpMk id="100" creationId="{5BAFE2C7-0432-4E59-BD6D-5E0CDA45768B}"/>
-          </ac:cxnSpMkLst>
-        </pc:cxnChg>
-        <pc:cxnChg chg="mod">
-          <ac:chgData name="Huong Nguyen" userId="a3438fb82b5343a2" providerId="LiveId" clId="{C14A037E-31B5-40DF-A04D-87CB46007AD5}" dt="2018-04-21T17:35:45.163" v="5564" actId="1076"/>
-          <ac:cxnSpMkLst>
-            <pc:docMk/>
-            <pc:sldMk cId="1809179010" sldId="256"/>
-            <ac:cxnSpMk id="111" creationId="{00000000-0000-0000-0000-000000000000}"/>
-          </ac:cxnSpMkLst>
-        </pc:cxnChg>
-        <pc:cxnChg chg="del mod">
-          <ac:chgData name="Huong Nguyen" userId="a3438fb82b5343a2" providerId="LiveId" clId="{C14A037E-31B5-40DF-A04D-87CB46007AD5}" dt="2018-04-21T14:55:39.909" v="5253" actId="478"/>
-          <ac:cxnSpMkLst>
-            <pc:docMk/>
-            <pc:sldMk cId="1809179010" sldId="256"/>
-            <ac:cxnSpMk id="127" creationId="{00000000-0000-0000-0000-000000000000}"/>
-          </ac:cxnSpMkLst>
-        </pc:cxnChg>
-        <pc:cxnChg chg="del mod">
-          <ac:chgData name="Huong Nguyen" userId="a3438fb82b5343a2" providerId="LiveId" clId="{C14A037E-31B5-40DF-A04D-87CB46007AD5}" dt="2018-04-21T14:56:00.730" v="5257" actId="478"/>
-          <ac:cxnSpMkLst>
-            <pc:docMk/>
-            <pc:sldMk cId="1809179010" sldId="256"/>
-            <ac:cxnSpMk id="149" creationId="{00000000-0000-0000-0000-000000000000}"/>
-          </ac:cxnSpMkLst>
-        </pc:cxnChg>
-        <pc:cxnChg chg="add mod">
-          <ac:chgData name="Huong Nguyen" userId="a3438fb82b5343a2" providerId="LiveId" clId="{C14A037E-31B5-40DF-A04D-87CB46007AD5}" dt="2018-04-21T17:42:39.955" v="5805" actId="14100"/>
-          <ac:cxnSpMkLst>
-            <pc:docMk/>
-            <pc:sldMk cId="1809179010" sldId="256"/>
-            <ac:cxnSpMk id="150" creationId="{462946BE-78B6-438E-8BDF-87612B3B65F2}"/>
-          </ac:cxnSpMkLst>
-        </pc:cxnChg>
-        <pc:cxnChg chg="del mod">
-          <ac:chgData name="Huong Nguyen" userId="a3438fb82b5343a2" providerId="LiveId" clId="{C14A037E-31B5-40DF-A04D-87CB46007AD5}" dt="2018-04-21T14:55:59.972" v="5256" actId="478"/>
-          <ac:cxnSpMkLst>
-            <pc:docMk/>
-            <pc:sldMk cId="1809179010" sldId="256"/>
-            <ac:cxnSpMk id="152" creationId="{00000000-0000-0000-0000-000000000000}"/>
-          </ac:cxnSpMkLst>
-        </pc:cxnChg>
-        <pc:cxnChg chg="add mod">
-          <ac:chgData name="Huong Nguyen" userId="a3438fb82b5343a2" providerId="LiveId" clId="{C14A037E-31B5-40DF-A04D-87CB46007AD5}" dt="2018-04-21T17:42:39.955" v="5805" actId="14100"/>
-          <ac:cxnSpMkLst>
-            <pc:docMk/>
-            <pc:sldMk cId="1809179010" sldId="256"/>
-            <ac:cxnSpMk id="153" creationId="{7263147D-006A-435A-BFDA-B993103C975A}"/>
-          </ac:cxnSpMkLst>
-        </pc:cxnChg>
-        <pc:cxnChg chg="add mod">
-          <ac:chgData name="Huong Nguyen" userId="a3438fb82b5343a2" providerId="LiveId" clId="{C14A037E-31B5-40DF-A04D-87CB46007AD5}" dt="2018-04-21T17:41:53.638" v="5780" actId="13822"/>
-          <ac:cxnSpMkLst>
-            <pc:docMk/>
-            <pc:sldMk cId="1809179010" sldId="256"/>
-            <ac:cxnSpMk id="174" creationId="{A7689B78-3FE2-49FB-921A-81CF7833C00B}"/>
-          </ac:cxnSpMkLst>
-        </pc:cxnChg>
-        <pc:cxnChg chg="add mod">
-          <ac:chgData name="Huong Nguyen" userId="a3438fb82b5343a2" providerId="LiveId" clId="{C14A037E-31B5-40DF-A04D-87CB46007AD5}" dt="2018-04-21T17:39:44.467" v="5680" actId="14100"/>
-          <ac:cxnSpMkLst>
-            <pc:docMk/>
-            <pc:sldMk cId="1809179010" sldId="256"/>
-            <ac:cxnSpMk id="181" creationId="{2519E3BA-9B82-41A1-ADC2-5EC3D85AD4E1}"/>
-          </ac:cxnSpMkLst>
-        </pc:cxnChg>
-      </pc:sldChg>
-      <pc:sldChg chg="addSp delSp modSp add">
-        <pc:chgData name="Huong Nguyen" userId="a3438fb82b5343a2" providerId="LiveId" clId="{C14A037E-31B5-40DF-A04D-87CB46007AD5}" dt="2018-04-21T09:59:17.737" v="103" actId="478"/>
-        <pc:sldMkLst>
-          <pc:docMk/>
-          <pc:sldMk cId="810887008" sldId="257"/>
-        </pc:sldMkLst>
-        <pc:spChg chg="del">
-          <ac:chgData name="Huong Nguyen" userId="a3438fb82b5343a2" providerId="LiveId" clId="{C14A037E-31B5-40DF-A04D-87CB46007AD5}" dt="2018-04-21T09:53:59.079" v="33" actId="478"/>
-          <ac:spMkLst>
-            <pc:docMk/>
-            <pc:sldMk cId="810887008" sldId="257"/>
-            <ac:spMk id="2" creationId="{2AC47560-9995-466A-86E1-4C422793A17F}"/>
-          </ac:spMkLst>
-        </pc:spChg>
-        <pc:spChg chg="del">
-          <ac:chgData name="Huong Nguyen" userId="a3438fb82b5343a2" providerId="LiveId" clId="{C14A037E-31B5-40DF-A04D-87CB46007AD5}" dt="2018-04-21T09:53:59.079" v="33" actId="478"/>
-          <ac:spMkLst>
-            <pc:docMk/>
-            <pc:sldMk cId="810887008" sldId="257"/>
-            <ac:spMk id="3" creationId="{1522E6BE-8D5B-46ED-B7F7-3845A2C98749}"/>
-          </ac:spMkLst>
-        </pc:spChg>
-        <pc:spChg chg="add mod">
-          <ac:chgData name="Huong Nguyen" userId="a3438fb82b5343a2" providerId="LiveId" clId="{C14A037E-31B5-40DF-A04D-87CB46007AD5}" dt="2018-04-21T09:55:52.502" v="92" actId="1076"/>
-          <ac:spMkLst>
-            <pc:docMk/>
-            <pc:sldMk cId="810887008" sldId="257"/>
-            <ac:spMk id="5" creationId="{104A68C3-15D3-4FF2-A3EB-7B771C1433B9}"/>
-          </ac:spMkLst>
-        </pc:spChg>
-        <pc:picChg chg="add del mod">
-          <ac:chgData name="Huong Nguyen" userId="a3438fb82b5343a2" providerId="LiveId" clId="{C14A037E-31B5-40DF-A04D-87CB46007AD5}" dt="2018-04-21T09:56:26.935" v="94" actId="478"/>
-          <ac:picMkLst>
-            <pc:docMk/>
-            <pc:sldMk cId="810887008" sldId="257"/>
-            <ac:picMk id="2050" creationId="{F940D867-43DB-4E1D-A544-69D6B124AC9A}"/>
-          </ac:picMkLst>
-        </pc:picChg>
-        <pc:picChg chg="add del">
-          <ac:chgData name="Huong Nguyen" userId="a3438fb82b5343a2" providerId="LiveId" clId="{C14A037E-31B5-40DF-A04D-87CB46007AD5}" dt="2018-04-21T09:56:26.935" v="94" actId="478"/>
-          <ac:picMkLst>
-            <pc:docMk/>
-            <pc:sldMk cId="810887008" sldId="257"/>
-            <ac:picMk id="2052" creationId="{E45BD6DC-666F-47A6-A370-43E532B30A97}"/>
-          </ac:picMkLst>
-        </pc:picChg>
-        <pc:picChg chg="add mod">
-          <ac:chgData name="Huong Nguyen" userId="a3438fb82b5343a2" providerId="LiveId" clId="{C14A037E-31B5-40DF-A04D-87CB46007AD5}" dt="2018-04-21T09:56:36.439" v="98" actId="1076"/>
-          <ac:picMkLst>
-            <pc:docMk/>
-            <pc:sldMk cId="810887008" sldId="257"/>
-            <ac:picMk id="2054" creationId="{332AB929-7FC8-4606-89B8-6EC51A8C6EF7}"/>
-          </ac:picMkLst>
-        </pc:picChg>
-        <pc:picChg chg="add del mod">
-          <ac:chgData name="Huong Nguyen" userId="a3438fb82b5343a2" providerId="LiveId" clId="{C14A037E-31B5-40DF-A04D-87CB46007AD5}" dt="2018-04-21T09:59:17.737" v="103" actId="478"/>
-          <ac:picMkLst>
-            <pc:docMk/>
-            <pc:sldMk cId="810887008" sldId="257"/>
-            <ac:picMk id="2056" creationId="{459472DA-C027-4054-BD7A-C3095BEAA5ED}"/>
-          </ac:picMkLst>
-        </pc:picChg>
-      </pc:sldChg>
-      <pc:sldChg chg="addSp modSp add">
-        <pc:chgData name="Huong Nguyen" userId="a3438fb82b5343a2" providerId="LiveId" clId="{C14A037E-31B5-40DF-A04D-87CB46007AD5}" dt="2018-04-21T14:19:06.465" v="5239" actId="1076"/>
-        <pc:sldMkLst>
-          <pc:docMk/>
-          <pc:sldMk cId="1893159388" sldId="258"/>
-        </pc:sldMkLst>
-        <pc:spChg chg="mod">
-          <ac:chgData name="Huong Nguyen" userId="a3438fb82b5343a2" providerId="LiveId" clId="{C14A037E-31B5-40DF-A04D-87CB46007AD5}" dt="2018-04-21T14:19:06.465" v="5239" actId="1076"/>
-          <ac:spMkLst>
-            <pc:docMk/>
-            <pc:sldMk cId="1893159388" sldId="258"/>
-            <ac:spMk id="2" creationId="{DD56F44E-28DD-406A-BBB0-A37375538DAB}"/>
-          </ac:spMkLst>
-        </pc:spChg>
-        <pc:spChg chg="mod">
-          <ac:chgData name="Huong Nguyen" userId="a3438fb82b5343a2" providerId="LiveId" clId="{C14A037E-31B5-40DF-A04D-87CB46007AD5}" dt="2018-04-21T10:20:13.985" v="339" actId="20577"/>
-          <ac:spMkLst>
-            <pc:docMk/>
-            <pc:sldMk cId="1893159388" sldId="258"/>
-            <ac:spMk id="3" creationId="{DBCB20E7-E1BC-4BB7-8FA4-611CB9856632}"/>
-          </ac:spMkLst>
-        </pc:spChg>
-        <pc:picChg chg="add">
-          <ac:chgData name="Huong Nguyen" userId="a3438fb82b5343a2" providerId="LiveId" clId="{C14A037E-31B5-40DF-A04D-87CB46007AD5}" dt="2018-04-21T14:19:00.737" v="5238"/>
-          <ac:picMkLst>
-            <pc:docMk/>
-            <pc:sldMk cId="1893159388" sldId="258"/>
-            <ac:picMk id="4" creationId="{6DF8D1D5-EF58-45C5-B904-FCC069F4CC4B}"/>
-          </ac:picMkLst>
-        </pc:picChg>
-      </pc:sldChg>
-      <pc:sldChg chg="addSp delSp modSp add modNotesTx">
-        <pc:chgData name="Huong Nguyen" userId="a3438fb82b5343a2" providerId="LiveId" clId="{C14A037E-31B5-40DF-A04D-87CB46007AD5}" dt="2018-04-21T14:18:55.823" v="5237"/>
-        <pc:sldMkLst>
-          <pc:docMk/>
-          <pc:sldMk cId="2110530313" sldId="259"/>
-        </pc:sldMkLst>
-        <pc:spChg chg="mod">
-          <ac:chgData name="Huong Nguyen" userId="a3438fb82b5343a2" providerId="LiveId" clId="{C14A037E-31B5-40DF-A04D-87CB46007AD5}" dt="2018-04-21T11:50:45.931" v="1301" actId="1076"/>
-          <ac:spMkLst>
-            <pc:docMk/>
-            <pc:sldMk cId="2110530313" sldId="259"/>
-            <ac:spMk id="2" creationId="{DD56F44E-28DD-406A-BBB0-A37375538DAB}"/>
-          </ac:spMkLst>
-        </pc:spChg>
-        <pc:spChg chg="del mod">
-          <ac:chgData name="Huong Nguyen" userId="a3438fb82b5343a2" providerId="LiveId" clId="{C14A037E-31B5-40DF-A04D-87CB46007AD5}" dt="2018-04-21T10:22:31.828" v="344" actId="478"/>
-          <ac:spMkLst>
-            <pc:docMk/>
-            <pc:sldMk cId="2110530313" sldId="259"/>
-            <ac:spMk id="3" creationId="{DBCB20E7-E1BC-4BB7-8FA4-611CB9856632}"/>
-          </ac:spMkLst>
-        </pc:spChg>
-        <pc:picChg chg="add del mod">
-          <ac:chgData name="Huong Nguyen" userId="a3438fb82b5343a2" providerId="LiveId" clId="{C14A037E-31B5-40DF-A04D-87CB46007AD5}" dt="2018-04-21T14:18:55.397" v="5236" actId="478"/>
-          <ac:picMkLst>
-            <pc:docMk/>
-            <pc:sldMk cId="2110530313" sldId="259"/>
-            <ac:picMk id="5" creationId="{A6A49920-6B00-47B8-8738-34EBEE849C99}"/>
-          </ac:picMkLst>
-        </pc:picChg>
-        <pc:picChg chg="add">
-          <ac:chgData name="Huong Nguyen" userId="a3438fb82b5343a2" providerId="LiveId" clId="{C14A037E-31B5-40DF-A04D-87CB46007AD5}" dt="2018-04-21T14:18:55.823" v="5237"/>
-          <ac:picMkLst>
-            <pc:docMk/>
-            <pc:sldMk cId="2110530313" sldId="259"/>
-            <ac:picMk id="6" creationId="{B28F4BCD-E912-4C85-A9EB-8C96B7181719}"/>
-          </ac:picMkLst>
-        </pc:picChg>
-        <pc:picChg chg="add mod">
-          <ac:chgData name="Huong Nguyen" userId="a3438fb82b5343a2" providerId="LiveId" clId="{C14A037E-31B5-40DF-A04D-87CB46007AD5}" dt="2018-04-21T10:22:40.288" v="347" actId="1076"/>
-          <ac:picMkLst>
-            <pc:docMk/>
-            <pc:sldMk cId="2110530313" sldId="259"/>
-            <ac:picMk id="3074" creationId="{ADE88591-8D16-4943-AD91-E0440D1A2F6F}"/>
+            <pc:sldMk cId="4197213767" sldId="275"/>
+            <ac:picMk id="4" creationId="{92FAC067-F8D8-474E-950B-3910593D7260}"/>
           </ac:picMkLst>
         </pc:picChg>
       </pc:sldChg>
       <pc:sldChg chg="addSp delSp modSp add">
-        <pc:chgData name="Huong Nguyen" userId="a3438fb82b5343a2" providerId="LiveId" clId="{C14A037E-31B5-40DF-A04D-87CB46007AD5}" dt="2018-04-21T14:18:46.106" v="5235" actId="14100"/>
+        <pc:chgData name="Huong Nguyen" userId="a3438fb82b5343a2" providerId="LiveId" clId="{2B8626EC-9D8B-4FC2-B698-408B6D5CE559}" dt="2019-04-19T13:52:26.172" v="85" actId="14100"/>
         <pc:sldMkLst>
           <pc:docMk/>
-          <pc:sldMk cId="3034772108" sldId="261"/>
+          <pc:sldMk cId="220405014" sldId="276"/>
         </pc:sldMkLst>
-        <pc:spChg chg="del mod">
-          <ac:chgData name="Huong Nguyen" userId="a3438fb82b5343a2" providerId="LiveId" clId="{C14A037E-31B5-40DF-A04D-87CB46007AD5}" dt="2018-04-21T11:50:53.622" v="1303" actId="478"/>
+        <pc:spChg chg="add mod">
+          <ac:chgData name="Huong Nguyen" userId="a3438fb82b5343a2" providerId="LiveId" clId="{2B8626EC-9D8B-4FC2-B698-408B6D5CE559}" dt="2019-04-19T13:52:26.172" v="85" actId="14100"/>
           <ac:spMkLst>
             <pc:docMk/>
-            <pc:sldMk cId="3034772108" sldId="261"/>
+            <pc:sldMk cId="220405014" sldId="276"/>
+            <ac:spMk id="5" creationId="{C752D3E2-49A9-4E3F-A544-087807C42D44}"/>
+          </ac:spMkLst>
+        </pc:spChg>
+        <pc:spChg chg="mod">
+          <ac:chgData name="Huong Nguyen" userId="a3438fb82b5343a2" providerId="LiveId" clId="{2B8626EC-9D8B-4FC2-B698-408B6D5CE559}" dt="2019-04-19T13:50:28.412" v="67" actId="1076"/>
+          <ac:spMkLst>
+            <pc:docMk/>
+            <pc:sldMk cId="220405014" sldId="276"/>
+            <ac:spMk id="6" creationId="{019F748B-F571-42FD-8161-0E6A8576715F}"/>
+          </ac:spMkLst>
+        </pc:spChg>
+        <pc:picChg chg="del">
+          <ac:chgData name="Huong Nguyen" userId="a3438fb82b5343a2" providerId="LiveId" clId="{2B8626EC-9D8B-4FC2-B698-408B6D5CE559}" dt="2019-04-19T13:49:22.844" v="13" actId="478"/>
+          <ac:picMkLst>
+            <pc:docMk/>
+            <pc:sldMk cId="220405014" sldId="276"/>
+            <ac:picMk id="3" creationId="{D269E8DD-9695-4D74-9916-72A6388DD49C}"/>
+          </ac:picMkLst>
+        </pc:picChg>
+        <pc:picChg chg="add mod">
+          <ac:chgData name="Huong Nguyen" userId="a3438fb82b5343a2" providerId="LiveId" clId="{2B8626EC-9D8B-4FC2-B698-408B6D5CE559}" dt="2019-04-19T13:51:55.543" v="79" actId="1076"/>
+          <ac:picMkLst>
+            <pc:docMk/>
+            <pc:sldMk cId="220405014" sldId="276"/>
+            <ac:picMk id="4" creationId="{1B6D5556-CB3A-4BD0-918B-6FC444D26491}"/>
+          </ac:picMkLst>
+        </pc:picChg>
+      </pc:sldChg>
+      <pc:sldChg chg="addSp delSp add del">
+        <pc:chgData name="Huong Nguyen" userId="a3438fb82b5343a2" providerId="LiveId" clId="{2B8626EC-9D8B-4FC2-B698-408B6D5CE559}" dt="2019-04-19T13:49:18.082" v="11" actId="2696"/>
+        <pc:sldMkLst>
+          <pc:docMk/>
+          <pc:sldMk cId="2399011097" sldId="276"/>
+        </pc:sldMkLst>
+        <pc:picChg chg="add del">
+          <ac:chgData name="Huong Nguyen" userId="a3438fb82b5343a2" providerId="LiveId" clId="{2B8626EC-9D8B-4FC2-B698-408B6D5CE559}" dt="2019-04-19T13:49:15.610" v="10" actId="478"/>
+          <ac:picMkLst>
+            <pc:docMk/>
+            <pc:sldMk cId="2399011097" sldId="276"/>
+            <ac:picMk id="4" creationId="{92FAC067-F8D8-474E-950B-3910593D7260}"/>
+          </ac:picMkLst>
+        </pc:picChg>
+      </pc:sldChg>
+      <pc:sldChg chg="addSp delSp modSp add del">
+        <pc:chgData name="Huong Nguyen" userId="a3438fb82b5343a2" providerId="LiveId" clId="{2B8626EC-9D8B-4FC2-B698-408B6D5CE559}" dt="2019-04-19T14:12:35.346" v="104" actId="2696"/>
+        <pc:sldMkLst>
+          <pc:docMk/>
+          <pc:sldMk cId="178693715" sldId="277"/>
+        </pc:sldMkLst>
+        <pc:spChg chg="del">
+          <ac:chgData name="Huong Nguyen" userId="a3438fb82b5343a2" providerId="LiveId" clId="{2B8626EC-9D8B-4FC2-B698-408B6D5CE559}" dt="2019-04-19T13:53:45.817" v="88" actId="478"/>
+          <ac:spMkLst>
+            <pc:docMk/>
+            <pc:sldMk cId="178693715" sldId="277"/>
             <ac:spMk id="2" creationId="{DFFFFA99-E724-41BD-AD79-CF9F7F1B5B8F}"/>
           </ac:spMkLst>
         </pc:spChg>
-        <pc:spChg chg="mod">
-          <ac:chgData name="Huong Nguyen" userId="a3438fb82b5343a2" providerId="LiveId" clId="{C14A037E-31B5-40DF-A04D-87CB46007AD5}" dt="2018-04-21T11:51:16.665" v="1308" actId="20577"/>
+        <pc:spChg chg="del">
+          <ac:chgData name="Huong Nguyen" userId="a3438fb82b5343a2" providerId="LiveId" clId="{2B8626EC-9D8B-4FC2-B698-408B6D5CE559}" dt="2019-04-19T13:53:44.157" v="87" actId="478"/>
           <ac:spMkLst>
             <pc:docMk/>
-            <pc:sldMk cId="3034772108" sldId="261"/>
-            <ac:spMk id="3" creationId="{1D959CE4-5404-4BB4-ADD9-AA299F72D886}"/>
+            <pc:sldMk cId="178693715" sldId="277"/>
+            <ac:spMk id="4" creationId="{7D91E52A-9465-4AE5-87BB-9893A76A814F}"/>
           </ac:spMkLst>
         </pc:spChg>
         <pc:spChg chg="add del mod">
-          <ac:chgData name="Huong Nguyen" userId="a3438fb82b5343a2" providerId="LiveId" clId="{C14A037E-31B5-40DF-A04D-87CB46007AD5}" dt="2018-04-21T11:50:56.025" v="1304" actId="478"/>
+          <ac:chgData name="Huong Nguyen" userId="a3438fb82b5343a2" providerId="LiveId" clId="{2B8626EC-9D8B-4FC2-B698-408B6D5CE559}" dt="2019-04-19T13:53:48.037" v="89" actId="478"/>
           <ac:spMkLst>
             <pc:docMk/>
-            <pc:sldMk cId="3034772108" sldId="261"/>
-            <ac:spMk id="5" creationId="{913EB4C3-5A3A-42C2-A78F-EE81010F181B}"/>
+            <pc:sldMk cId="178693715" sldId="277"/>
+            <ac:spMk id="5" creationId="{268D1594-C15B-4EAE-B687-CAB629FD14BF}"/>
           </ac:spMkLst>
         </pc:spChg>
-        <pc:spChg chg="add mod">
-          <ac:chgData name="Huong Nguyen" userId="a3438fb82b5343a2" providerId="LiveId" clId="{C14A037E-31B5-40DF-A04D-87CB46007AD5}" dt="2018-04-21T11:51:57.640" v="1312" actId="1076"/>
-          <ac:spMkLst>
-            <pc:docMk/>
-            <pc:sldMk cId="3034772108" sldId="261"/>
-            <ac:spMk id="6" creationId="{387664DE-1B36-48FC-A5C1-C53AB3349D53}"/>
-          </ac:spMkLst>
-        </pc:spChg>
-        <pc:spChg chg="add">
-          <ac:chgData name="Huong Nguyen" userId="a3438fb82b5343a2" providerId="LiveId" clId="{C14A037E-31B5-40DF-A04D-87CB46007AD5}" dt="2018-04-21T11:50:57.479" v="1305"/>
-          <ac:spMkLst>
-            <pc:docMk/>
-            <pc:sldMk cId="3034772108" sldId="261"/>
-            <ac:spMk id="7" creationId="{4E3457CF-F0F5-4980-A10A-C70D2DB487FC}"/>
-          </ac:spMkLst>
-        </pc:spChg>
-        <pc:picChg chg="add mod">
-          <ac:chgData name="Huong Nguyen" userId="a3438fb82b5343a2" providerId="LiveId" clId="{C14A037E-31B5-40DF-A04D-87CB46007AD5}" dt="2018-04-21T14:18:46.106" v="5235" actId="14100"/>
+        <pc:picChg chg="add">
+          <ac:chgData name="Huong Nguyen" userId="a3438fb82b5343a2" providerId="LiveId" clId="{2B8626EC-9D8B-4FC2-B698-408B6D5CE559}" dt="2019-04-19T13:54:11.042" v="90"/>
           <ac:picMkLst>
             <pc:docMk/>
-            <pc:sldMk cId="3034772108" sldId="261"/>
-            <ac:picMk id="8" creationId="{3DD89E22-4B43-41FE-9229-24CAE3CC8F9B}"/>
-          </ac:picMkLst>
-        </pc:picChg>
-        <pc:picChg chg="add del mod">
-          <ac:chgData name="Huong Nguyen" userId="a3438fb82b5343a2" providerId="LiveId" clId="{C14A037E-31B5-40DF-A04D-87CB46007AD5}" dt="2018-04-21T11:50:53.622" v="1303" actId="478"/>
-          <ac:picMkLst>
-            <pc:docMk/>
-            <pc:sldMk cId="3034772108" sldId="261"/>
-            <ac:picMk id="7170" creationId="{83639762-A536-413C-9233-B0EDAAA0C9FA}"/>
+            <pc:sldMk cId="178693715" sldId="277"/>
+            <ac:picMk id="6" creationId="{F7F27163-E1E0-4513-A978-FC048D49E8FF}"/>
           </ac:picMkLst>
         </pc:picChg>
       </pc:sldChg>
-      <pc:sldChg chg="addSp delSp modSp add">
-        <pc:chgData name="Huong Nguyen" userId="a3438fb82b5343a2" providerId="LiveId" clId="{C14A037E-31B5-40DF-A04D-87CB46007AD5}" dt="2018-04-21T11:36:36.887" v="399" actId="14100"/>
+      <pc:sldChg chg="addSp delSp add">
+        <pc:chgData name="Huong Nguyen" userId="a3438fb82b5343a2" providerId="LiveId" clId="{2B8626EC-9D8B-4FC2-B698-408B6D5CE559}" dt="2019-04-19T13:55:00.721" v="93"/>
         <pc:sldMkLst>
           <pc:docMk/>
-          <pc:sldMk cId="3400540695" sldId="262"/>
+          <pc:sldMk cId="886888068" sldId="278"/>
         </pc:sldMkLst>
-        <pc:picChg chg="add mod">
-          <ac:chgData name="Huong Nguyen" userId="a3438fb82b5343a2" providerId="LiveId" clId="{C14A037E-31B5-40DF-A04D-87CB46007AD5}" dt="2018-04-21T11:36:36.887" v="399" actId="14100"/>
+        <pc:picChg chg="add">
+          <ac:chgData name="Huong Nguyen" userId="a3438fb82b5343a2" providerId="LiveId" clId="{2B8626EC-9D8B-4FC2-B698-408B6D5CE559}" dt="2019-04-19T13:55:00.721" v="93"/>
           <ac:picMkLst>
             <pc:docMk/>
-            <pc:sldMk cId="3400540695" sldId="262"/>
-            <ac:picMk id="3" creationId="{C7D16ADC-0843-4336-B178-ABFB9BF1E5CE}"/>
+            <pc:sldMk cId="886888068" sldId="278"/>
+            <ac:picMk id="2" creationId="{62E594A1-5C97-4565-86C1-12164D796D4B}"/>
           </ac:picMkLst>
         </pc:picChg>
-        <pc:picChg chg="add del">
-          <ac:chgData name="Huong Nguyen" userId="a3438fb82b5343a2" providerId="LiveId" clId="{C14A037E-31B5-40DF-A04D-87CB46007AD5}" dt="2018-04-21T11:36:10.259" v="396" actId="478"/>
+        <pc:picChg chg="del">
+          <ac:chgData name="Huong Nguyen" userId="a3438fb82b5343a2" providerId="LiveId" clId="{2B8626EC-9D8B-4FC2-B698-408B6D5CE559}" dt="2019-04-19T13:54:59.519" v="92" actId="478"/>
           <ac:picMkLst>
             <pc:docMk/>
-            <pc:sldMk cId="3400540695" sldId="262"/>
-            <ac:picMk id="5122" creationId="{74C6FC00-D909-4BD0-86DE-988B5640EC47}"/>
+            <pc:sldMk cId="886888068" sldId="278"/>
+            <ac:picMk id="6" creationId="{F7F27163-E1E0-4513-A978-FC048D49E8FF}"/>
           </ac:picMkLst>
         </pc:picChg>
       </pc:sldChg>
-      <pc:sldChg chg="addSp modSp add">
-        <pc:chgData name="Huong Nguyen" userId="a3438fb82b5343a2" providerId="LiveId" clId="{C14A037E-31B5-40DF-A04D-87CB46007AD5}" dt="2018-04-21T11:36:49.503" v="401" actId="14100"/>
+      <pc:sldChg chg="addSp delSp add">
+        <pc:chgData name="Huong Nguyen" userId="a3438fb82b5343a2" providerId="LiveId" clId="{2B8626EC-9D8B-4FC2-B698-408B6D5CE559}" dt="2019-04-19T13:56:45.570" v="98"/>
         <pc:sldMkLst>
           <pc:docMk/>
-          <pc:sldMk cId="3067811921" sldId="263"/>
+          <pc:sldMk cId="675263252" sldId="279"/>
         </pc:sldMkLst>
-        <pc:spChg chg="mod">
-          <ac:chgData name="Huong Nguyen" userId="a3438fb82b5343a2" providerId="LiveId" clId="{C14A037E-31B5-40DF-A04D-87CB46007AD5}" dt="2018-04-21T11:25:13.744" v="390" actId="14100"/>
-          <ac:spMkLst>
-            <pc:docMk/>
-            <pc:sldMk cId="3067811921" sldId="263"/>
-            <ac:spMk id="2" creationId="{DFFFFA99-E724-41BD-AD79-CF9F7F1B5B8F}"/>
-          </ac:spMkLst>
-        </pc:spChg>
-        <pc:picChg chg="add mod">
-          <ac:chgData name="Huong Nguyen" userId="a3438fb82b5343a2" providerId="LiveId" clId="{C14A037E-31B5-40DF-A04D-87CB46007AD5}" dt="2018-04-21T11:36:49.503" v="401" actId="14100"/>
+        <pc:picChg chg="del">
+          <ac:chgData name="Huong Nguyen" userId="a3438fb82b5343a2" providerId="LiveId" clId="{2B8626EC-9D8B-4FC2-B698-408B6D5CE559}" dt="2019-04-19T13:56:34.796" v="95" actId="478"/>
           <ac:picMkLst>
             <pc:docMk/>
-            <pc:sldMk cId="3067811921" sldId="263"/>
-            <ac:picMk id="3" creationId="{6DFF20B1-B202-48B3-9265-6D126A86FDE7}"/>
+            <pc:sldMk cId="675263252" sldId="279"/>
+            <ac:picMk id="2" creationId="{62E594A1-5C97-4565-86C1-12164D796D4B}"/>
           </ac:picMkLst>
         </pc:picChg>
-        <pc:picChg chg="add mod">
-          <ac:chgData name="Huong Nguyen" userId="a3438fb82b5343a2" providerId="LiveId" clId="{C14A037E-31B5-40DF-A04D-87CB46007AD5}" dt="2018-04-21T11:25:21.968" v="392" actId="1076"/>
+        <pc:picChg chg="add">
+          <ac:chgData name="Huong Nguyen" userId="a3438fb82b5343a2" providerId="LiveId" clId="{2B8626EC-9D8B-4FC2-B698-408B6D5CE559}" dt="2019-04-19T13:56:45.570" v="98"/>
           <ac:picMkLst>
             <pc:docMk/>
-            <pc:sldMk cId="3067811921" sldId="263"/>
-            <ac:picMk id="6146" creationId="{4F4707B9-38D7-4606-AF4A-28515B5B9410}"/>
+            <pc:sldMk cId="675263252" sldId="279"/>
+            <ac:picMk id="3" creationId="{44EB21F9-0ED0-4741-AAED-6ECC9D5E4C56}"/>
           </ac:picMkLst>
         </pc:picChg>
       </pc:sldChg>
-      <pc:sldChg chg="addSp delSp modSp add modNotesTx">
-        <pc:chgData name="Huong Nguyen" userId="a3438fb82b5343a2" providerId="LiveId" clId="{C14A037E-31B5-40DF-A04D-87CB46007AD5}" dt="2018-04-21T12:38:19.747" v="3899" actId="1038"/>
+      <pc:sldChg chg="add del">
+        <pc:chgData name="Huong Nguyen" userId="a3438fb82b5343a2" providerId="LiveId" clId="{2B8626EC-9D8B-4FC2-B698-408B6D5CE559}" dt="2019-04-19T13:56:36.807" v="97"/>
         <pc:sldMkLst>
           <pc:docMk/>
-          <pc:sldMk cId="603981510" sldId="264"/>
+          <pc:sldMk cId="2939055717" sldId="280"/>
         </pc:sldMkLst>
-        <pc:spChg chg="mod">
-          <ac:chgData name="Huong Nguyen" userId="a3438fb82b5343a2" providerId="LiveId" clId="{C14A037E-31B5-40DF-A04D-87CB46007AD5}" dt="2018-04-21T12:38:19.747" v="3899" actId="1038"/>
-          <ac:spMkLst>
-            <pc:docMk/>
-            <pc:sldMk cId="603981510" sldId="264"/>
-            <ac:spMk id="2" creationId="{DFFFFA99-E724-41BD-AD79-CF9F7F1B5B8F}"/>
-          </ac:spMkLst>
-        </pc:spChg>
-        <pc:spChg chg="add del">
-          <ac:chgData name="Huong Nguyen" userId="a3438fb82b5343a2" providerId="LiveId" clId="{C14A037E-31B5-40DF-A04D-87CB46007AD5}" dt="2018-04-21T11:58:27.909" v="1314"/>
-          <ac:spMkLst>
-            <pc:docMk/>
-            <pc:sldMk cId="603981510" sldId="264"/>
-            <ac:spMk id="3" creationId="{FE9ACC6E-72B7-4170-ADF1-14A88D6300D5}"/>
-          </ac:spMkLst>
-        </pc:spChg>
-        <pc:spChg chg="add mod">
-          <ac:chgData name="Huong Nguyen" userId="a3438fb82b5343a2" providerId="LiveId" clId="{C14A037E-31B5-40DF-A04D-87CB46007AD5}" dt="2018-04-21T12:12:46.926" v="1754" actId="255"/>
-          <ac:spMkLst>
-            <pc:docMk/>
-            <pc:sldMk cId="603981510" sldId="264"/>
-            <ac:spMk id="6" creationId="{4B84174A-E751-413E-A918-B7EFEF6A040B}"/>
-          </ac:spMkLst>
-        </pc:spChg>
+      </pc:sldChg>
+      <pc:sldChg chg="addSp delSp modSp add del">
+        <pc:chgData name="Huong Nguyen" userId="a3438fb82b5343a2" providerId="LiveId" clId="{2B8626EC-9D8B-4FC2-B698-408B6D5CE559}" dt="2019-04-19T14:12:30.820" v="103" actId="2696"/>
+        <pc:sldMkLst>
+          <pc:docMk/>
+          <pc:sldMk cId="2995055726" sldId="280"/>
+        </pc:sldMkLst>
         <pc:picChg chg="add mod">
-          <ac:chgData name="Huong Nguyen" userId="a3438fb82b5343a2" providerId="LiveId" clId="{C14A037E-31B5-40DF-A04D-87CB46007AD5}" dt="2018-04-21T12:12:52.887" v="1755" actId="1076"/>
+          <ac:chgData name="Huong Nguyen" userId="a3438fb82b5343a2" providerId="LiveId" clId="{2B8626EC-9D8B-4FC2-B698-408B6D5CE559}" dt="2019-04-19T13:59:41.204" v="102" actId="14100"/>
           <ac:picMkLst>
             <pc:docMk/>
-            <pc:sldMk cId="603981510" sldId="264"/>
-            <ac:picMk id="4" creationId="{66A1AD14-9ED5-4AB4-8DA1-9C221DAB9D1A}"/>
-          </ac:picMkLst>
-        </pc:picChg>
-        <pc:picChg chg="mod">
-          <ac:chgData name="Huong Nguyen" userId="a3438fb82b5343a2" providerId="LiveId" clId="{C14A037E-31B5-40DF-A04D-87CB46007AD5}" dt="2018-04-21T12:38:19.747" v="3899" actId="1038"/>
-          <ac:picMkLst>
-            <pc:docMk/>
-            <pc:sldMk cId="603981510" sldId="264"/>
-            <ac:picMk id="6146" creationId="{4F4707B9-38D7-4606-AF4A-28515B5B9410}"/>
-          </ac:picMkLst>
-        </pc:picChg>
-      </pc:sldChg>
-      <pc:sldChg chg="addSp delSp modSp add">
-        <pc:chgData name="Huong Nguyen" userId="a3438fb82b5343a2" providerId="LiveId" clId="{C14A037E-31B5-40DF-A04D-87CB46007AD5}" dt="2018-04-21T14:16:14.682" v="5002" actId="20577"/>
-        <pc:sldMkLst>
-          <pc:docMk/>
-          <pc:sldMk cId="2714834928" sldId="265"/>
-        </pc:sldMkLst>
-        <pc:spChg chg="mod">
-          <ac:chgData name="Huong Nguyen" userId="a3438fb82b5343a2" providerId="LiveId" clId="{C14A037E-31B5-40DF-A04D-87CB46007AD5}" dt="2018-04-21T14:01:22.202" v="4709" actId="20577"/>
-          <ac:spMkLst>
-            <pc:docMk/>
-            <pc:sldMk cId="2714834928" sldId="265"/>
-            <ac:spMk id="2" creationId="{DFFFFA99-E724-41BD-AD79-CF9F7F1B5B8F}"/>
-          </ac:spMkLst>
-        </pc:spChg>
-        <pc:spChg chg="add mod">
-          <ac:chgData name="Huong Nguyen" userId="a3438fb82b5343a2" providerId="LiveId" clId="{C14A037E-31B5-40DF-A04D-87CB46007AD5}" dt="2018-04-21T14:16:14.682" v="5002" actId="20577"/>
-          <ac:spMkLst>
-            <pc:docMk/>
-            <pc:sldMk cId="2714834928" sldId="265"/>
-            <ac:spMk id="8" creationId="{A310F7AA-82D1-45B4-A94E-C3BF72663B91}"/>
-          </ac:spMkLst>
-        </pc:spChg>
-        <pc:picChg chg="del">
-          <ac:chgData name="Huong Nguyen" userId="a3438fb82b5343a2" providerId="LiveId" clId="{C14A037E-31B5-40DF-A04D-87CB46007AD5}" dt="2018-04-21T12:37:41.601" v="3841" actId="478"/>
-          <ac:picMkLst>
-            <pc:docMk/>
-            <pc:sldMk cId="2714834928" sldId="265"/>
-            <ac:picMk id="6146" creationId="{4F4707B9-38D7-4606-AF4A-28515B5B9410}"/>
-          </ac:picMkLst>
-        </pc:picChg>
-        <pc:picChg chg="add del">
-          <ac:chgData name="Huong Nguyen" userId="a3438fb82b5343a2" providerId="LiveId" clId="{C14A037E-31B5-40DF-A04D-87CB46007AD5}" dt="2018-04-21T12:37:41.601" v="3841" actId="478"/>
-          <ac:picMkLst>
-            <pc:docMk/>
-            <pc:sldMk cId="2714834928" sldId="265"/>
-            <ac:picMk id="8194" creationId="{BB0B429F-D016-43A6-9724-CE8E9F1713E1}"/>
-          </ac:picMkLst>
-        </pc:picChg>
-        <pc:picChg chg="add del mod">
-          <ac:chgData name="Huong Nguyen" userId="a3438fb82b5343a2" providerId="LiveId" clId="{C14A037E-31B5-40DF-A04D-87CB46007AD5}" dt="2018-04-21T12:37:50.017" v="3846"/>
-          <ac:picMkLst>
-            <pc:docMk/>
-            <pc:sldMk cId="2714834928" sldId="265"/>
-            <ac:picMk id="8196" creationId="{0C3FD23A-ADCF-443E-81C0-A66CAAAA3610}"/>
-          </ac:picMkLst>
-        </pc:picChg>
-        <pc:picChg chg="add del mod">
-          <ac:chgData name="Huong Nguyen" userId="a3438fb82b5343a2" providerId="LiveId" clId="{C14A037E-31B5-40DF-A04D-87CB46007AD5}" dt="2018-04-21T14:01:11.778" v="4700" actId="478"/>
-          <ac:picMkLst>
-            <pc:docMk/>
-            <pc:sldMk cId="2714834928" sldId="265"/>
-            <ac:picMk id="8198" creationId="{42EB90F8-2CBA-42DC-A500-6A13292820A4}"/>
-          </ac:picMkLst>
-        </pc:picChg>
-        <pc:picChg chg="add mod">
-          <ac:chgData name="Huong Nguyen" userId="a3438fb82b5343a2" providerId="LiveId" clId="{C14A037E-31B5-40DF-A04D-87CB46007AD5}" dt="2018-04-21T14:01:17.561" v="4701" actId="1076"/>
-          <ac:picMkLst>
-            <pc:docMk/>
-            <pc:sldMk cId="2714834928" sldId="265"/>
-            <ac:picMk id="8200" creationId="{4C7FD6C9-DCD6-4829-B97C-D4A988B69758}"/>
-          </ac:picMkLst>
-        </pc:picChg>
-      </pc:sldChg>
-      <pc:sldChg chg="addSp delSp modSp add">
-        <pc:chgData name="Huong Nguyen" userId="a3438fb82b5343a2" providerId="LiveId" clId="{C14A037E-31B5-40DF-A04D-87CB46007AD5}" dt="2018-04-21T12:21:16.895" v="2673" actId="20577"/>
-        <pc:sldMkLst>
-          <pc:docMk/>
-          <pc:sldMk cId="2792840733" sldId="266"/>
-        </pc:sldMkLst>
-        <pc:spChg chg="mod">
-          <ac:chgData name="Huong Nguyen" userId="a3438fb82b5343a2" providerId="LiveId" clId="{C14A037E-31B5-40DF-A04D-87CB46007AD5}" dt="2018-04-21T12:17:23.776" v="2374" actId="20577"/>
-          <ac:spMkLst>
-            <pc:docMk/>
-            <pc:sldMk cId="2792840733" sldId="266"/>
-            <ac:spMk id="6" creationId="{4B84174A-E751-413E-A918-B7EFEF6A040B}"/>
-          </ac:spMkLst>
-        </pc:spChg>
-        <pc:spChg chg="add mod">
-          <ac:chgData name="Huong Nguyen" userId="a3438fb82b5343a2" providerId="LiveId" clId="{C14A037E-31B5-40DF-A04D-87CB46007AD5}" dt="2018-04-21T12:21:16.895" v="2673" actId="20577"/>
-          <ac:spMkLst>
-            <pc:docMk/>
-            <pc:sldMk cId="2792840733" sldId="266"/>
-            <ac:spMk id="7" creationId="{9551AD72-8454-45A9-9F82-BAFA2720DC56}"/>
-          </ac:spMkLst>
-        </pc:spChg>
-        <pc:picChg chg="del">
-          <ac:chgData name="Huong Nguyen" userId="a3438fb82b5343a2" providerId="LiveId" clId="{C14A037E-31B5-40DF-A04D-87CB46007AD5}" dt="2018-04-21T12:16:18.082" v="2171" actId="478"/>
-          <ac:picMkLst>
-            <pc:docMk/>
-            <pc:sldMk cId="2792840733" sldId="266"/>
-            <ac:picMk id="4" creationId="{66A1AD14-9ED5-4AB4-8DA1-9C221DAB9D1A}"/>
-          </ac:picMkLst>
-        </pc:picChg>
-      </pc:sldChg>
-      <pc:sldChg chg="delSp modSp add">
-        <pc:chgData name="Huong Nguyen" userId="a3438fb82b5343a2" providerId="LiveId" clId="{C14A037E-31B5-40DF-A04D-87CB46007AD5}" dt="2018-04-21T12:27:03.201" v="3442" actId="20577"/>
-        <pc:sldMkLst>
-          <pc:docMk/>
-          <pc:sldMk cId="115773866" sldId="267"/>
-        </pc:sldMkLst>
-        <pc:spChg chg="del">
-          <ac:chgData name="Huong Nguyen" userId="a3438fb82b5343a2" providerId="LiveId" clId="{C14A037E-31B5-40DF-A04D-87CB46007AD5}" dt="2018-04-21T12:21:33.401" v="2675" actId="478"/>
-          <ac:spMkLst>
-            <pc:docMk/>
-            <pc:sldMk cId="115773866" sldId="267"/>
-            <ac:spMk id="6" creationId="{4B84174A-E751-413E-A918-B7EFEF6A040B}"/>
-          </ac:spMkLst>
-        </pc:spChg>
-        <pc:spChg chg="mod">
-          <ac:chgData name="Huong Nguyen" userId="a3438fb82b5343a2" providerId="LiveId" clId="{C14A037E-31B5-40DF-A04D-87CB46007AD5}" dt="2018-04-21T12:27:03.201" v="3442" actId="20577"/>
-          <ac:spMkLst>
-            <pc:docMk/>
-            <pc:sldMk cId="115773866" sldId="267"/>
-            <ac:spMk id="7" creationId="{9551AD72-8454-45A9-9F82-BAFA2720DC56}"/>
-          </ac:spMkLst>
-        </pc:spChg>
-      </pc:sldChg>
-      <pc:sldChg chg="modSp add">
-        <pc:chgData name="Huong Nguyen" userId="a3438fb82b5343a2" providerId="LiveId" clId="{C14A037E-31B5-40DF-A04D-87CB46007AD5}" dt="2018-04-21T12:29:53.997" v="3839" actId="20577"/>
-        <pc:sldMkLst>
-          <pc:docMk/>
-          <pc:sldMk cId="100778696" sldId="268"/>
-        </pc:sldMkLst>
-        <pc:spChg chg="mod">
-          <ac:chgData name="Huong Nguyen" userId="a3438fb82b5343a2" providerId="LiveId" clId="{C14A037E-31B5-40DF-A04D-87CB46007AD5}" dt="2018-04-21T12:29:53.997" v="3839" actId="20577"/>
-          <ac:spMkLst>
-            <pc:docMk/>
-            <pc:sldMk cId="100778696" sldId="268"/>
-            <ac:spMk id="7" creationId="{9551AD72-8454-45A9-9F82-BAFA2720DC56}"/>
-          </ac:spMkLst>
-        </pc:spChg>
-      </pc:sldChg>
-      <pc:sldChg chg="addSp delSp modSp add ord">
-        <pc:chgData name="Huong Nguyen" userId="a3438fb82b5343a2" providerId="LiveId" clId="{C14A037E-31B5-40DF-A04D-87CB46007AD5}" dt="2018-04-21T13:41:15.276" v="4052"/>
-        <pc:sldMkLst>
-          <pc:docMk/>
-          <pc:sldMk cId="545067434" sldId="269"/>
-        </pc:sldMkLst>
-        <pc:spChg chg="add del mod">
-          <ac:chgData name="Huong Nguyen" userId="a3438fb82b5343a2" providerId="LiveId" clId="{C14A037E-31B5-40DF-A04D-87CB46007AD5}" dt="2018-04-21T12:40:41.907" v="3916" actId="478"/>
-          <ac:spMkLst>
-            <pc:docMk/>
-            <pc:sldMk cId="545067434" sldId="269"/>
-            <ac:spMk id="4" creationId="{AE212A6C-E0F9-41A3-BDBD-F1418592CBB1}"/>
-          </ac:spMkLst>
-        </pc:spChg>
-        <pc:spChg chg="add mod">
-          <ac:chgData name="Huong Nguyen" userId="a3438fb82b5343a2" providerId="LiveId" clId="{C14A037E-31B5-40DF-A04D-87CB46007AD5}" dt="2018-04-21T13:37:25.606" v="4005" actId="255"/>
-          <ac:spMkLst>
-            <pc:docMk/>
-            <pc:sldMk cId="545067434" sldId="269"/>
-            <ac:spMk id="6" creationId="{019F748B-F571-42FD-8161-0E6A8576715F}"/>
-          </ac:spMkLst>
-        </pc:spChg>
-        <pc:picChg chg="add mod">
-          <ac:chgData name="Huong Nguyen" userId="a3438fb82b5343a2" providerId="LiveId" clId="{C14A037E-31B5-40DF-A04D-87CB46007AD5}" dt="2018-04-21T13:37:30.897" v="4016" actId="1035"/>
-          <ac:picMkLst>
-            <pc:docMk/>
-            <pc:sldMk cId="545067434" sldId="269"/>
-            <ac:picMk id="3" creationId="{D269E8DD-9695-4D74-9916-72A6388DD49C}"/>
-          </ac:picMkLst>
-        </pc:picChg>
-      </pc:sldChg>
-      <pc:sldChg chg="addSp modSp add del ord">
-        <pc:chgData name="Huong Nguyen" userId="a3438fb82b5343a2" providerId="LiveId" clId="{C14A037E-31B5-40DF-A04D-87CB46007AD5}" dt="2018-04-21T14:01:49.242" v="4714"/>
-        <pc:sldMkLst>
-          <pc:docMk/>
-          <pc:sldMk cId="104433175" sldId="270"/>
-        </pc:sldMkLst>
-        <pc:spChg chg="add mod">
-          <ac:chgData name="Huong Nguyen" userId="a3438fb82b5343a2" providerId="LiveId" clId="{C14A037E-31B5-40DF-A04D-87CB46007AD5}" dt="2018-04-21T13:38:42.052" v="4051" actId="20577"/>
-          <ac:spMkLst>
-            <pc:docMk/>
-            <pc:sldMk cId="104433175" sldId="270"/>
-            <ac:spMk id="4" creationId="{7D91E52A-9465-4AE5-87BB-9893A76A814F}"/>
-          </ac:spMkLst>
-        </pc:spChg>
-      </pc:sldChg>
-      <pc:sldChg chg="addSp delSp modSp add">
-        <pc:chgData name="Huong Nguyen" userId="a3438fb82b5343a2" providerId="LiveId" clId="{C14A037E-31B5-40DF-A04D-87CB46007AD5}" dt="2018-04-21T14:00:11.262" v="4693" actId="20577"/>
-        <pc:sldMkLst>
-          <pc:docMk/>
-          <pc:sldMk cId="3131900557" sldId="271"/>
-        </pc:sldMkLst>
-        <pc:spChg chg="del">
-          <ac:chgData name="Huong Nguyen" userId="a3438fb82b5343a2" providerId="LiveId" clId="{C14A037E-31B5-40DF-A04D-87CB46007AD5}" dt="2018-04-21T13:46:08.956" v="4054" actId="478"/>
-          <ac:spMkLst>
-            <pc:docMk/>
-            <pc:sldMk cId="3131900557" sldId="271"/>
-            <ac:spMk id="2" creationId="{E64B277D-4949-4C4C-9578-BB35428E3263}"/>
-          </ac:spMkLst>
-        </pc:spChg>
-        <pc:spChg chg="mod">
-          <ac:chgData name="Huong Nguyen" userId="a3438fb82b5343a2" providerId="LiveId" clId="{C14A037E-31B5-40DF-A04D-87CB46007AD5}" dt="2018-04-21T14:00:11.262" v="4693" actId="20577"/>
-          <ac:spMkLst>
-            <pc:docMk/>
-            <pc:sldMk cId="3131900557" sldId="271"/>
-            <ac:spMk id="3" creationId="{C1E95C75-DF28-42C9-9F20-35B2CC66EA92}"/>
-          </ac:spMkLst>
-        </pc:spChg>
-        <pc:spChg chg="add">
-          <ac:chgData name="Huong Nguyen" userId="a3438fb82b5343a2" providerId="LiveId" clId="{C14A037E-31B5-40DF-A04D-87CB46007AD5}" dt="2018-04-21T13:46:11.047" v="4055"/>
-          <ac:spMkLst>
-            <pc:docMk/>
-            <pc:sldMk cId="3131900557" sldId="271"/>
-            <ac:spMk id="4" creationId="{5E9B622F-8B27-4105-A57E-9E2125B94C00}"/>
-          </ac:spMkLst>
-        </pc:spChg>
-        <pc:picChg chg="add">
-          <ac:chgData name="Huong Nguyen" userId="a3438fb82b5343a2" providerId="LiveId" clId="{C14A037E-31B5-40DF-A04D-87CB46007AD5}" dt="2018-04-21T13:46:11.047" v="4055"/>
-          <ac:picMkLst>
-            <pc:docMk/>
-            <pc:sldMk cId="3131900557" sldId="271"/>
-            <ac:picMk id="5" creationId="{4C959079-14BE-4735-8518-BD2EEC2F9017}"/>
-          </ac:picMkLst>
-        </pc:picChg>
-      </pc:sldChg>
-      <pc:sldChg chg="addSp delSp modSp add">
-        <pc:chgData name="Huong Nguyen" userId="a3438fb82b5343a2" providerId="LiveId" clId="{C14A037E-31B5-40DF-A04D-87CB46007AD5}" dt="2018-04-21T14:17:18.746" v="5147" actId="20577"/>
-        <pc:sldMkLst>
-          <pc:docMk/>
-          <pc:sldMk cId="776352338" sldId="273"/>
-        </pc:sldMkLst>
-        <pc:spChg chg="del">
-          <ac:chgData name="Huong Nguyen" userId="a3438fb82b5343a2" providerId="LiveId" clId="{C14A037E-31B5-40DF-A04D-87CB46007AD5}" dt="2018-04-21T14:02:49.755" v="4716" actId="478"/>
-          <ac:spMkLst>
-            <pc:docMk/>
-            <pc:sldMk cId="776352338" sldId="273"/>
-            <ac:spMk id="2" creationId="{0B831423-87F2-4978-9A6B-855CBB38AFEA}"/>
-          </ac:spMkLst>
-        </pc:spChg>
-        <pc:spChg chg="mod">
-          <ac:chgData name="Huong Nguyen" userId="a3438fb82b5343a2" providerId="LiveId" clId="{C14A037E-31B5-40DF-A04D-87CB46007AD5}" dt="2018-04-21T14:17:18.746" v="5147" actId="20577"/>
-          <ac:spMkLst>
-            <pc:docMk/>
-            <pc:sldMk cId="776352338" sldId="273"/>
-            <ac:spMk id="3" creationId="{D51CF3F5-7244-41BC-888E-578CA80C16F7}"/>
-          </ac:spMkLst>
-        </pc:spChg>
-        <pc:spChg chg="add">
-          <ac:chgData name="Huong Nguyen" userId="a3438fb82b5343a2" providerId="LiveId" clId="{C14A037E-31B5-40DF-A04D-87CB46007AD5}" dt="2018-04-21T14:02:54.128" v="4717"/>
-          <ac:spMkLst>
-            <pc:docMk/>
-            <pc:sldMk cId="776352338" sldId="273"/>
-            <ac:spMk id="4" creationId="{7E1A5D65-CE60-4BE5-8114-E9788DA650F8}"/>
-          </ac:spMkLst>
-        </pc:spChg>
-        <pc:spChg chg="add del">
-          <ac:chgData name="Huong Nguyen" userId="a3438fb82b5343a2" providerId="LiveId" clId="{C14A037E-31B5-40DF-A04D-87CB46007AD5}" dt="2018-04-21T14:02:56.430" v="4719"/>
-          <ac:spMkLst>
-            <pc:docMk/>
-            <pc:sldMk cId="776352338" sldId="273"/>
-            <ac:spMk id="6" creationId="{0CE50A7B-F120-467B-8459-83E88AAD56AC}"/>
-          </ac:spMkLst>
-        </pc:spChg>
-        <pc:picChg chg="add">
-          <ac:chgData name="Huong Nguyen" userId="a3438fb82b5343a2" providerId="LiveId" clId="{C14A037E-31B5-40DF-A04D-87CB46007AD5}" dt="2018-04-21T14:02:54.128" v="4717"/>
-          <ac:picMkLst>
-            <pc:docMk/>
-            <pc:sldMk cId="776352338" sldId="273"/>
-            <ac:picMk id="5" creationId="{0BC35620-A5C4-482A-849F-7AB01B1A570F}"/>
-          </ac:picMkLst>
-        </pc:picChg>
-        <pc:picChg chg="add del">
-          <ac:chgData name="Huong Nguyen" userId="a3438fb82b5343a2" providerId="LiveId" clId="{C14A037E-31B5-40DF-A04D-87CB46007AD5}" dt="2018-04-21T14:02:56.430" v="4719"/>
-          <ac:picMkLst>
-            <pc:docMk/>
-            <pc:sldMk cId="776352338" sldId="273"/>
-            <ac:picMk id="7" creationId="{FCF81F6A-C62A-4C3F-9542-FDF0C6DDBB03}"/>
-          </ac:picMkLst>
-        </pc:picChg>
-      </pc:sldChg>
-      <pc:sldChg chg="delSp modSp add modNotesTx">
-        <pc:chgData name="Huong Nguyen" userId="a3438fb82b5343a2" providerId="LiveId" clId="{C14A037E-31B5-40DF-A04D-87CB46007AD5}" dt="2018-04-21T14:19:22.780" v="5240" actId="6549"/>
-        <pc:sldMkLst>
-          <pc:docMk/>
-          <pc:sldMk cId="3234395367" sldId="274"/>
-        </pc:sldMkLst>
-        <pc:spChg chg="mod">
-          <ac:chgData name="Huong Nguyen" userId="a3438fb82b5343a2" providerId="LiveId" clId="{C14A037E-31B5-40DF-A04D-87CB46007AD5}" dt="2018-04-21T14:18:22.292" v="5220" actId="20577"/>
-          <ac:spMkLst>
-            <pc:docMk/>
-            <pc:sldMk cId="3234395367" sldId="274"/>
-            <ac:spMk id="2" creationId="{DD56F44E-28DD-406A-BBB0-A37375538DAB}"/>
-          </ac:spMkLst>
-        </pc:spChg>
-        <pc:picChg chg="mod">
-          <ac:chgData name="Huong Nguyen" userId="a3438fb82b5343a2" providerId="LiveId" clId="{C14A037E-31B5-40DF-A04D-87CB46007AD5}" dt="2018-04-21T14:18:35.481" v="5233" actId="1076"/>
-          <ac:picMkLst>
-            <pc:docMk/>
-            <pc:sldMk cId="3234395367" sldId="274"/>
-            <ac:picMk id="5" creationId="{A6A49920-6B00-47B8-8738-34EBEE849C99}"/>
+            <pc:sldMk cId="2995055726" sldId="280"/>
+            <ac:picMk id="2" creationId="{321CD8F5-9A83-47B9-B803-F47EE56AC0C6}"/>
           </ac:picMkLst>
         </pc:picChg>
         <pc:picChg chg="del">
-          <ac:chgData name="Huong Nguyen" userId="a3438fb82b5343a2" providerId="LiveId" clId="{C14A037E-31B5-40DF-A04D-87CB46007AD5}" dt="2018-04-21T14:18:02.677" v="5149" actId="478"/>
+          <ac:chgData name="Huong Nguyen" userId="a3438fb82b5343a2" providerId="LiveId" clId="{2B8626EC-9D8B-4FC2-B698-408B6D5CE559}" dt="2019-04-19T13:59:30.476" v="100" actId="478"/>
           <ac:picMkLst>
             <pc:docMk/>
-            <pc:sldMk cId="3234395367" sldId="274"/>
-            <ac:picMk id="3074" creationId="{ADE88591-8D16-4943-AD91-E0440D1A2F6F}"/>
+            <pc:sldMk cId="2995055726" sldId="280"/>
+            <ac:picMk id="3" creationId="{44EB21F9-0ED0-4741-AAED-6ECC9D5E4C56}"/>
           </ac:picMkLst>
         </pc:picChg>
       </pc:sldChg>
@@ -1279,27 +357,6 @@
   </pc:docChgLst>
   <pc:docChgLst>
     <pc:chgData name="Huong Nguyen" userId="a3438fb82b5343a2" providerId="LiveId" clId="{494061C9-877D-4703-91D9-3EC821A9423D}"/>
-    <pc:docChg chg="modSld">
-      <pc:chgData name="Huong Nguyen" userId="a3438fb82b5343a2" providerId="LiveId" clId="{494061C9-877D-4703-91D9-3EC821A9423D}" dt="2018-07-20T07:28:24.279" v="14" actId="20577"/>
-      <pc:docMkLst>
-        <pc:docMk/>
-      </pc:docMkLst>
-      <pc:sldChg chg="modSp">
-        <pc:chgData name="Huong Nguyen" userId="a3438fb82b5343a2" providerId="LiveId" clId="{494061C9-877D-4703-91D9-3EC821A9423D}" dt="2018-07-20T07:28:24.279" v="14" actId="20577"/>
-        <pc:sldMkLst>
-          <pc:docMk/>
-          <pc:sldMk cId="100778696" sldId="268"/>
-        </pc:sldMkLst>
-        <pc:spChg chg="mod">
-          <ac:chgData name="Huong Nguyen" userId="a3438fb82b5343a2" providerId="LiveId" clId="{494061C9-877D-4703-91D9-3EC821A9423D}" dt="2018-07-20T07:28:24.279" v="14" actId="20577"/>
-          <ac:spMkLst>
-            <pc:docMk/>
-            <pc:sldMk cId="100778696" sldId="268"/>
-            <ac:spMk id="7" creationId="{9551AD72-8454-45A9-9F82-BAFA2720DC56}"/>
-          </ac:spMkLst>
-        </pc:spChg>
-      </pc:sldChg>
-    </pc:docChg>
   </pc:docChgLst>
 </pc:chgInfo>
 </file>
@@ -4064,7 +3121,7 @@
           <a:p>
             <a:fld id="{6C3FF073-F312-4F63-BD1A-D996E86F83FD}" type="datetimeFigureOut">
               <a:rPr lang="en-US" smtClean="0"/>
-              <a:t>07/20/2018</a:t>
+              <a:t>04/19/2019</a:t>
             </a:fld>
             <a:endParaRPr lang="en-US"/>
           </a:p>
@@ -8947,7 +8004,7 @@
           <a:p>
             <a:fld id="{75994028-BB04-43E0-9762-A74B1D24D251}" type="slidenum">
               <a:rPr lang="en-US" smtClean="0"/>
-              <a:t>15</a:t>
+              <a:t>14</a:t>
             </a:fld>
             <a:endParaRPr lang="en-US"/>
           </a:p>
@@ -8956,7 +8013,7 @@
     </p:spTree>
     <p:extLst>
       <p:ext uri="{BB962C8B-B14F-4D97-AF65-F5344CB8AC3E}">
-        <p14:creationId xmlns:p14="http://schemas.microsoft.com/office/powerpoint/2010/main" val="1778643732"/>
+        <p14:creationId xmlns:p14="http://schemas.microsoft.com/office/powerpoint/2010/main" val="798471530"/>
       </p:ext>
     </p:extLst>
   </p:cSld>
@@ -9031,7 +8088,259 @@
           <a:p>
             <a:fld id="{75994028-BB04-43E0-9762-A74B1D24D251}" type="slidenum">
               <a:rPr lang="en-US" smtClean="0"/>
+              <a:t>15</a:t>
+            </a:fld>
+            <a:endParaRPr lang="en-US"/>
+          </a:p>
+        </p:txBody>
+      </p:sp>
+    </p:spTree>
+    <p:extLst>
+      <p:ext uri="{BB962C8B-B14F-4D97-AF65-F5344CB8AC3E}">
+        <p14:creationId xmlns:p14="http://schemas.microsoft.com/office/powerpoint/2010/main" val="4220831937"/>
+      </p:ext>
+    </p:extLst>
+  </p:cSld>
+  <p:clrMapOvr>
+    <a:masterClrMapping/>
+  </p:clrMapOvr>
+</p:notes>
+</file>
+
+<file path=ppt/notesSlides/notesSlide14.xml><?xml version="1.0" encoding="utf-8"?>
+<p:notes xmlns:a="http://schemas.openxmlformats.org/drawingml/2006/main" xmlns:r="http://schemas.openxmlformats.org/officeDocument/2006/relationships" xmlns:p="http://schemas.openxmlformats.org/presentationml/2006/main">
+  <p:cSld>
+    <p:spTree>
+      <p:nvGrpSpPr>
+        <p:cNvPr id="1" name=""/>
+        <p:cNvGrpSpPr/>
+        <p:nvPr/>
+      </p:nvGrpSpPr>
+      <p:grpSpPr>
+        <a:xfrm>
+          <a:off x="0" y="0"/>
+          <a:ext cx="0" cy="0"/>
+          <a:chOff x="0" y="0"/>
+          <a:chExt cx="0" cy="0"/>
+        </a:xfrm>
+      </p:grpSpPr>
+      <p:sp>
+        <p:nvSpPr>
+          <p:cNvPr id="2" name="Chỗ dành sẵn cho Hình ảnh của Bản chiếu 1"/>
+          <p:cNvSpPr>
+            <a:spLocks noGrp="1" noRot="1" noChangeAspect="1"/>
+          </p:cNvSpPr>
+          <p:nvPr>
+            <p:ph type="sldImg"/>
+          </p:nvPr>
+        </p:nvSpPr>
+        <p:spPr/>
+      </p:sp>
+      <p:sp>
+        <p:nvSpPr>
+          <p:cNvPr id="3" name="Chỗ dành sẵn cho Ghi chú 2"/>
+          <p:cNvSpPr>
+            <a:spLocks noGrp="1"/>
+          </p:cNvSpPr>
+          <p:nvPr>
+            <p:ph type="body" idx="1"/>
+          </p:nvPr>
+        </p:nvSpPr>
+        <p:spPr/>
+        <p:txBody>
+          <a:bodyPr/>
+          <a:lstStyle/>
+          <a:p>
+            <a:endParaRPr lang="en-US" dirty="0"/>
+          </a:p>
+        </p:txBody>
+      </p:sp>
+      <p:sp>
+        <p:nvSpPr>
+          <p:cNvPr id="4" name="Chỗ dành sẵn cho Số hiệu Bản chiếu 3"/>
+          <p:cNvSpPr>
+            <a:spLocks noGrp="1"/>
+          </p:cNvSpPr>
+          <p:nvPr>
+            <p:ph type="sldNum" sz="quarter" idx="10"/>
+          </p:nvPr>
+        </p:nvSpPr>
+        <p:spPr/>
+        <p:txBody>
+          <a:bodyPr/>
+          <a:lstStyle/>
+          <a:p>
+            <a:fld id="{75994028-BB04-43E0-9762-A74B1D24D251}" type="slidenum">
+              <a:rPr lang="en-US" smtClean="0"/>
               <a:t>16</a:t>
+            </a:fld>
+            <a:endParaRPr lang="en-US"/>
+          </a:p>
+        </p:txBody>
+      </p:sp>
+    </p:spTree>
+    <p:extLst>
+      <p:ext uri="{BB962C8B-B14F-4D97-AF65-F5344CB8AC3E}">
+        <p14:creationId xmlns:p14="http://schemas.microsoft.com/office/powerpoint/2010/main" val="1319860294"/>
+      </p:ext>
+    </p:extLst>
+  </p:cSld>
+  <p:clrMapOvr>
+    <a:masterClrMapping/>
+  </p:clrMapOvr>
+</p:notes>
+</file>
+
+<file path=ppt/notesSlides/notesSlide15.xml><?xml version="1.0" encoding="utf-8"?>
+<p:notes xmlns:a="http://schemas.openxmlformats.org/drawingml/2006/main" xmlns:r="http://schemas.openxmlformats.org/officeDocument/2006/relationships" xmlns:p="http://schemas.openxmlformats.org/presentationml/2006/main">
+  <p:cSld>
+    <p:spTree>
+      <p:nvGrpSpPr>
+        <p:cNvPr id="1" name=""/>
+        <p:cNvGrpSpPr/>
+        <p:nvPr/>
+      </p:nvGrpSpPr>
+      <p:grpSpPr>
+        <a:xfrm>
+          <a:off x="0" y="0"/>
+          <a:ext cx="0" cy="0"/>
+          <a:chOff x="0" y="0"/>
+          <a:chExt cx="0" cy="0"/>
+        </a:xfrm>
+      </p:grpSpPr>
+      <p:sp>
+        <p:nvSpPr>
+          <p:cNvPr id="2" name="Chỗ dành sẵn cho Hình ảnh của Bản chiếu 1"/>
+          <p:cNvSpPr>
+            <a:spLocks noGrp="1" noRot="1" noChangeAspect="1"/>
+          </p:cNvSpPr>
+          <p:nvPr>
+            <p:ph type="sldImg"/>
+          </p:nvPr>
+        </p:nvSpPr>
+        <p:spPr/>
+      </p:sp>
+      <p:sp>
+        <p:nvSpPr>
+          <p:cNvPr id="3" name="Chỗ dành sẵn cho Ghi chú 2"/>
+          <p:cNvSpPr>
+            <a:spLocks noGrp="1"/>
+          </p:cNvSpPr>
+          <p:nvPr>
+            <p:ph type="body" idx="1"/>
+          </p:nvPr>
+        </p:nvSpPr>
+        <p:spPr/>
+        <p:txBody>
+          <a:bodyPr/>
+          <a:lstStyle/>
+          <a:p>
+            <a:endParaRPr lang="en-US" dirty="0"/>
+          </a:p>
+        </p:txBody>
+      </p:sp>
+      <p:sp>
+        <p:nvSpPr>
+          <p:cNvPr id="4" name="Chỗ dành sẵn cho Số hiệu Bản chiếu 3"/>
+          <p:cNvSpPr>
+            <a:spLocks noGrp="1"/>
+          </p:cNvSpPr>
+          <p:nvPr>
+            <p:ph type="sldNum" sz="quarter" idx="10"/>
+          </p:nvPr>
+        </p:nvSpPr>
+        <p:spPr/>
+        <p:txBody>
+          <a:bodyPr/>
+          <a:lstStyle/>
+          <a:p>
+            <a:fld id="{75994028-BB04-43E0-9762-A74B1D24D251}" type="slidenum">
+              <a:rPr lang="en-US" smtClean="0"/>
+              <a:t>18</a:t>
+            </a:fld>
+            <a:endParaRPr lang="en-US"/>
+          </a:p>
+        </p:txBody>
+      </p:sp>
+    </p:spTree>
+    <p:extLst>
+      <p:ext uri="{BB962C8B-B14F-4D97-AF65-F5344CB8AC3E}">
+        <p14:creationId xmlns:p14="http://schemas.microsoft.com/office/powerpoint/2010/main" val="1778643732"/>
+      </p:ext>
+    </p:extLst>
+  </p:cSld>
+  <p:clrMapOvr>
+    <a:masterClrMapping/>
+  </p:clrMapOvr>
+</p:notes>
+</file>
+
+<file path=ppt/notesSlides/notesSlide16.xml><?xml version="1.0" encoding="utf-8"?>
+<p:notes xmlns:a="http://schemas.openxmlformats.org/drawingml/2006/main" xmlns:r="http://schemas.openxmlformats.org/officeDocument/2006/relationships" xmlns:p="http://schemas.openxmlformats.org/presentationml/2006/main">
+  <p:cSld>
+    <p:spTree>
+      <p:nvGrpSpPr>
+        <p:cNvPr id="1" name=""/>
+        <p:cNvGrpSpPr/>
+        <p:nvPr/>
+      </p:nvGrpSpPr>
+      <p:grpSpPr>
+        <a:xfrm>
+          <a:off x="0" y="0"/>
+          <a:ext cx="0" cy="0"/>
+          <a:chOff x="0" y="0"/>
+          <a:chExt cx="0" cy="0"/>
+        </a:xfrm>
+      </p:grpSpPr>
+      <p:sp>
+        <p:nvSpPr>
+          <p:cNvPr id="2" name="Chỗ dành sẵn cho Hình ảnh của Bản chiếu 1"/>
+          <p:cNvSpPr>
+            <a:spLocks noGrp="1" noRot="1" noChangeAspect="1"/>
+          </p:cNvSpPr>
+          <p:nvPr>
+            <p:ph type="sldImg"/>
+          </p:nvPr>
+        </p:nvSpPr>
+        <p:spPr/>
+      </p:sp>
+      <p:sp>
+        <p:nvSpPr>
+          <p:cNvPr id="3" name="Chỗ dành sẵn cho Ghi chú 2"/>
+          <p:cNvSpPr>
+            <a:spLocks noGrp="1"/>
+          </p:cNvSpPr>
+          <p:nvPr>
+            <p:ph type="body" idx="1"/>
+          </p:nvPr>
+        </p:nvSpPr>
+        <p:spPr/>
+        <p:txBody>
+          <a:bodyPr/>
+          <a:lstStyle/>
+          <a:p>
+            <a:endParaRPr lang="en-US" dirty="0"/>
+          </a:p>
+        </p:txBody>
+      </p:sp>
+      <p:sp>
+        <p:nvSpPr>
+          <p:cNvPr id="4" name="Chỗ dành sẵn cho Số hiệu Bản chiếu 3"/>
+          <p:cNvSpPr>
+            <a:spLocks noGrp="1"/>
+          </p:cNvSpPr>
+          <p:nvPr>
+            <p:ph type="sldNum" sz="quarter" idx="10"/>
+          </p:nvPr>
+        </p:nvSpPr>
+        <p:spPr/>
+        <p:txBody>
+          <a:bodyPr/>
+          <a:lstStyle/>
+          <a:p>
+            <a:fld id="{75994028-BB04-43E0-9762-A74B1D24D251}" type="slidenum">
+              <a:rPr lang="en-US" smtClean="0"/>
+              <a:t>19</a:t>
             </a:fld>
             <a:endParaRPr lang="en-US"/>
           </a:p>
@@ -12067,7 +11376,7 @@
           <a:p>
             <a:fld id="{5EEF2717-D069-4865-822B-EE8607A5752B}" type="datetimeFigureOut">
               <a:rPr lang="en-US" smtClean="0"/>
-              <a:t>07/20/2018</a:t>
+              <a:t>04/19/2019</a:t>
             </a:fld>
             <a:endParaRPr lang="en-US"/>
           </a:p>
@@ -12267,7 +11576,7 @@
           <a:p>
             <a:fld id="{5EEF2717-D069-4865-822B-EE8607A5752B}" type="datetimeFigureOut">
               <a:rPr lang="en-US" smtClean="0"/>
-              <a:t>07/20/2018</a:t>
+              <a:t>04/19/2019</a:t>
             </a:fld>
             <a:endParaRPr lang="en-US"/>
           </a:p>
@@ -12477,7 +11786,7 @@
           <a:p>
             <a:fld id="{5EEF2717-D069-4865-822B-EE8607A5752B}" type="datetimeFigureOut">
               <a:rPr lang="en-US" smtClean="0"/>
-              <a:t>07/20/2018</a:t>
+              <a:t>04/19/2019</a:t>
             </a:fld>
             <a:endParaRPr lang="en-US"/>
           </a:p>
@@ -12677,7 +11986,7 @@
           <a:p>
             <a:fld id="{5EEF2717-D069-4865-822B-EE8607A5752B}" type="datetimeFigureOut">
               <a:rPr lang="en-US" smtClean="0"/>
-              <a:t>07/20/2018</a:t>
+              <a:t>04/19/2019</a:t>
             </a:fld>
             <a:endParaRPr lang="en-US"/>
           </a:p>
@@ -12953,7 +12262,7 @@
           <a:p>
             <a:fld id="{5EEF2717-D069-4865-822B-EE8607A5752B}" type="datetimeFigureOut">
               <a:rPr lang="en-US" smtClean="0"/>
-              <a:t>07/20/2018</a:t>
+              <a:t>04/19/2019</a:t>
             </a:fld>
             <a:endParaRPr lang="en-US"/>
           </a:p>
@@ -13221,7 +12530,7 @@
           <a:p>
             <a:fld id="{5EEF2717-D069-4865-822B-EE8607A5752B}" type="datetimeFigureOut">
               <a:rPr lang="en-US" smtClean="0"/>
-              <a:t>07/20/2018</a:t>
+              <a:t>04/19/2019</a:t>
             </a:fld>
             <a:endParaRPr lang="en-US"/>
           </a:p>
@@ -13636,7 +12945,7 @@
           <a:p>
             <a:fld id="{5EEF2717-D069-4865-822B-EE8607A5752B}" type="datetimeFigureOut">
               <a:rPr lang="en-US" smtClean="0"/>
-              <a:t>07/20/2018</a:t>
+              <a:t>04/19/2019</a:t>
             </a:fld>
             <a:endParaRPr lang="en-US"/>
           </a:p>
@@ -13778,7 +13087,7 @@
           <a:p>
             <a:fld id="{5EEF2717-D069-4865-822B-EE8607A5752B}" type="datetimeFigureOut">
               <a:rPr lang="en-US" smtClean="0"/>
-              <a:t>07/20/2018</a:t>
+              <a:t>04/19/2019</a:t>
             </a:fld>
             <a:endParaRPr lang="en-US"/>
           </a:p>
@@ -13891,7 +13200,7 @@
           <a:p>
             <a:fld id="{5EEF2717-D069-4865-822B-EE8607A5752B}" type="datetimeFigureOut">
               <a:rPr lang="en-US" smtClean="0"/>
-              <a:t>07/20/2018</a:t>
+              <a:t>04/19/2019</a:t>
             </a:fld>
             <a:endParaRPr lang="en-US"/>
           </a:p>
@@ -14204,7 +13513,7 @@
           <a:p>
             <a:fld id="{5EEF2717-D069-4865-822B-EE8607A5752B}" type="datetimeFigureOut">
               <a:rPr lang="en-US" smtClean="0"/>
-              <a:t>07/20/2018</a:t>
+              <a:t>04/19/2019</a:t>
             </a:fld>
             <a:endParaRPr lang="en-US"/>
           </a:p>
@@ -14493,7 +13802,7 @@
           <a:p>
             <a:fld id="{5EEF2717-D069-4865-822B-EE8607A5752B}" type="datetimeFigureOut">
               <a:rPr lang="en-US" smtClean="0"/>
-              <a:t>07/20/2018</a:t>
+              <a:t>04/19/2019</a:t>
             </a:fld>
             <a:endParaRPr lang="en-US"/>
           </a:p>
@@ -14736,7 +14045,7 @@
           <a:p>
             <a:fld id="{5EEF2717-D069-4865-822B-EE8607A5752B}" type="datetimeFigureOut">
               <a:rPr lang="en-US" smtClean="0"/>
-              <a:t>07/20/2018</a:t>
+              <a:t>04/19/2019</a:t>
             </a:fld>
             <a:endParaRPr lang="en-US"/>
           </a:p>
@@ -16999,6 +16308,464 @@
       </p:grpSpPr>
       <p:sp>
         <p:nvSpPr>
+          <p:cNvPr id="2" name="Tiêu đề 1">
+            <a:extLst>
+              <a:ext uri="{FF2B5EF4-FFF2-40B4-BE49-F238E27FC236}">
+                <a16:creationId xmlns:a16="http://schemas.microsoft.com/office/drawing/2014/main" id="{DFFFFA99-E724-41BD-AD79-CF9F7F1B5B8F}"/>
+              </a:ext>
+            </a:extLst>
+          </p:cNvPr>
+          <p:cNvSpPr>
+            <a:spLocks noGrp="1"/>
+          </p:cNvSpPr>
+          <p:nvPr>
+            <p:ph type="title"/>
+          </p:nvPr>
+        </p:nvSpPr>
+        <p:spPr>
+          <a:xfrm>
+            <a:off x="838200" y="365125"/>
+            <a:ext cx="10515600" cy="1325563"/>
+          </a:xfrm>
+        </p:spPr>
+        <p:txBody>
+          <a:bodyPr/>
+          <a:lstStyle/>
+          <a:p>
+            <a:r>
+              <a:rPr lang="en-US" dirty="0"/>
+              <a:t> AWS Lambda</a:t>
+            </a:r>
+          </a:p>
+        </p:txBody>
+      </p:sp>
+      <p:pic>
+        <p:nvPicPr>
+          <p:cNvPr id="8198" name="Picture 6" descr="Káº¿t quáº£ hÃ¬nh áº£nh cho aws lambda">
+            <a:extLst>
+              <a:ext uri="{FF2B5EF4-FFF2-40B4-BE49-F238E27FC236}">
+                <a16:creationId xmlns:a16="http://schemas.microsoft.com/office/drawing/2014/main" id="{42EB90F8-2CBA-42DC-A500-6A13292820A4}"/>
+              </a:ext>
+            </a:extLst>
+          </p:cNvPr>
+          <p:cNvPicPr>
+            <a:picLocks noChangeAspect="1" noChangeArrowheads="1"/>
+          </p:cNvPicPr>
+          <p:nvPr/>
+        </p:nvPicPr>
+        <p:blipFill>
+          <a:blip r:embed="rId3" cstate="hqprint">
+            <a:extLst>
+              <a:ext uri="{28A0092B-C50C-407E-A947-70E740481C1C}">
+                <a14:useLocalDpi xmlns:a14="http://schemas.microsoft.com/office/drawing/2010/main" val="0"/>
+              </a:ext>
+            </a:extLst>
+          </a:blip>
+          <a:srcRect/>
+          <a:stretch>
+            <a:fillRect/>
+          </a:stretch>
+        </p:blipFill>
+        <p:spPr bwMode="auto">
+          <a:xfrm>
+            <a:off x="172660" y="591671"/>
+            <a:ext cx="665540" cy="688489"/>
+          </a:xfrm>
+          <a:prstGeom prst="rect">
+            <a:avLst/>
+          </a:prstGeom>
+          <a:noFill/>
+          <a:extLst>
+            <a:ext uri="{909E8E84-426E-40DD-AFC4-6F175D3DCCD1}">
+              <a14:hiddenFill xmlns:a14="http://schemas.microsoft.com/office/drawing/2010/main">
+                <a:solidFill>
+                  <a:srgbClr val="FFFFFF"/>
+                </a:solidFill>
+              </a14:hiddenFill>
+            </a:ext>
+          </a:extLst>
+        </p:spPr>
+      </p:pic>
+      <p:sp>
+        <p:nvSpPr>
+          <p:cNvPr id="6" name="Tiêu đề 1">
+            <a:extLst>
+              <a:ext uri="{FF2B5EF4-FFF2-40B4-BE49-F238E27FC236}">
+                <a16:creationId xmlns:a16="http://schemas.microsoft.com/office/drawing/2014/main" id="{019F748B-F571-42FD-8161-0E6A8576715F}"/>
+              </a:ext>
+            </a:extLst>
+          </p:cNvPr>
+          <p:cNvSpPr txBox="1">
+            <a:spLocks/>
+          </p:cNvSpPr>
+          <p:nvPr/>
+        </p:nvSpPr>
+        <p:spPr>
+          <a:xfrm>
+            <a:off x="6515100" y="365125"/>
+            <a:ext cx="10515600" cy="1325563"/>
+          </a:xfrm>
+          <a:prstGeom prst="rect">
+            <a:avLst/>
+          </a:prstGeom>
+        </p:spPr>
+        <p:txBody>
+          <a:bodyPr vert="horz" lIns="91440" tIns="45720" rIns="91440" bIns="45720" rtlCol="0" anchor="ctr">
+            <a:normAutofit/>
+          </a:bodyPr>
+          <a:lstStyle>
+            <a:lvl1pPr algn="l" defTabSz="914400" rtl="0" eaLnBrk="1" latinLnBrk="0" hangingPunct="1">
+              <a:lnSpc>
+                <a:spcPct val="90000"/>
+              </a:lnSpc>
+              <a:spcBef>
+                <a:spcPct val="0"/>
+              </a:spcBef>
+              <a:buNone/>
+              <a:defRPr sz="4400" kern="1200">
+                <a:solidFill>
+                  <a:schemeClr val="tx1"/>
+                </a:solidFill>
+                <a:latin typeface="+mj-lt"/>
+                <a:ea typeface="+mj-ea"/>
+                <a:cs typeface="+mj-cs"/>
+              </a:defRPr>
+            </a:lvl1pPr>
+          </a:lstStyle>
+          <a:p>
+            <a:r>
+              <a:rPr lang="en-US" sz="3600" dirty="0"/>
+              <a:t>Common cases using lambda</a:t>
+            </a:r>
+          </a:p>
+        </p:txBody>
+      </p:sp>
+      <p:pic>
+        <p:nvPicPr>
+          <p:cNvPr id="4" name="Hình ảnh 3">
+            <a:extLst>
+              <a:ext uri="{FF2B5EF4-FFF2-40B4-BE49-F238E27FC236}">
+                <a16:creationId xmlns:a16="http://schemas.microsoft.com/office/drawing/2014/main" id="{1B6D5556-CB3A-4BD0-918B-6FC444D26491}"/>
+              </a:ext>
+            </a:extLst>
+          </p:cNvPr>
+          <p:cNvPicPr>
+            <a:picLocks noChangeAspect="1"/>
+          </p:cNvPicPr>
+          <p:nvPr/>
+        </p:nvPicPr>
+        <p:blipFill>
+          <a:blip r:embed="rId4"/>
+          <a:stretch>
+            <a:fillRect/>
+          </a:stretch>
+        </p:blipFill>
+        <p:spPr>
+          <a:xfrm>
+            <a:off x="0" y="1460935"/>
+            <a:ext cx="12192000" cy="5136084"/>
+          </a:xfrm>
+          <a:prstGeom prst="rect">
+            <a:avLst/>
+          </a:prstGeom>
+        </p:spPr>
+      </p:pic>
+      <p:sp>
+        <p:nvSpPr>
+          <p:cNvPr id="5" name="Hình Bầu dục 4">
+            <a:extLst>
+              <a:ext uri="{FF2B5EF4-FFF2-40B4-BE49-F238E27FC236}">
+                <a16:creationId xmlns:a16="http://schemas.microsoft.com/office/drawing/2014/main" id="{C752D3E2-49A9-4E3F-A544-087807C42D44}"/>
+              </a:ext>
+            </a:extLst>
+          </p:cNvPr>
+          <p:cNvSpPr/>
+          <p:nvPr/>
+        </p:nvSpPr>
+        <p:spPr>
+          <a:xfrm>
+            <a:off x="1959057" y="4149970"/>
+            <a:ext cx="1710266" cy="1818921"/>
+          </a:xfrm>
+          <a:prstGeom prst="ellipse">
+            <a:avLst/>
+          </a:prstGeom>
+          <a:noFill/>
+          <a:ln w="28575">
+            <a:solidFill>
+              <a:srgbClr val="FF0000"/>
+            </a:solidFill>
+          </a:ln>
+        </p:spPr>
+        <p:style>
+          <a:lnRef idx="2">
+            <a:schemeClr val="accent2"/>
+          </a:lnRef>
+          <a:fillRef idx="1">
+            <a:schemeClr val="lt1"/>
+          </a:fillRef>
+          <a:effectRef idx="0">
+            <a:schemeClr val="accent2"/>
+          </a:effectRef>
+          <a:fontRef idx="minor">
+            <a:schemeClr val="dk1"/>
+          </a:fontRef>
+        </p:style>
+        <p:txBody>
+          <a:bodyPr rtlCol="0" anchor="ctr"/>
+          <a:lstStyle/>
+          <a:p>
+            <a:pPr algn="ctr"/>
+            <a:endParaRPr lang="en-US"/>
+          </a:p>
+        </p:txBody>
+      </p:sp>
+    </p:spTree>
+    <p:extLst>
+      <p:ext uri="{BB962C8B-B14F-4D97-AF65-F5344CB8AC3E}">
+        <p14:creationId xmlns:p14="http://schemas.microsoft.com/office/powerpoint/2010/main" val="220405014"/>
+      </p:ext>
+    </p:extLst>
+  </p:cSld>
+  <p:clrMapOvr>
+    <a:masterClrMapping/>
+  </p:clrMapOvr>
+</p:sld>
+</file>
+
+<file path=ppt/slides/slide15.xml><?xml version="1.0" encoding="utf-8"?>
+<p:sld xmlns:a="http://schemas.openxmlformats.org/drawingml/2006/main" xmlns:r="http://schemas.openxmlformats.org/officeDocument/2006/relationships" xmlns:p="http://schemas.openxmlformats.org/presentationml/2006/main">
+  <p:cSld>
+    <p:spTree>
+      <p:nvGrpSpPr>
+        <p:cNvPr id="1" name=""/>
+        <p:cNvGrpSpPr/>
+        <p:nvPr/>
+      </p:nvGrpSpPr>
+      <p:grpSpPr>
+        <a:xfrm>
+          <a:off x="0" y="0"/>
+          <a:ext cx="0" cy="0"/>
+          <a:chOff x="0" y="0"/>
+          <a:chExt cx="0" cy="0"/>
+        </a:xfrm>
+      </p:grpSpPr>
+      <p:pic>
+        <p:nvPicPr>
+          <p:cNvPr id="8198" name="Picture 6" descr="Káº¿t quáº£ hÃ¬nh áº£nh cho aws lambda">
+            <a:extLst>
+              <a:ext uri="{FF2B5EF4-FFF2-40B4-BE49-F238E27FC236}">
+                <a16:creationId xmlns:a16="http://schemas.microsoft.com/office/drawing/2014/main" id="{42EB90F8-2CBA-42DC-A500-6A13292820A4}"/>
+              </a:ext>
+            </a:extLst>
+          </p:cNvPr>
+          <p:cNvPicPr>
+            <a:picLocks noChangeAspect="1" noChangeArrowheads="1"/>
+          </p:cNvPicPr>
+          <p:nvPr/>
+        </p:nvPicPr>
+        <p:blipFill>
+          <a:blip r:embed="rId3" cstate="hqprint">
+            <a:extLst>
+              <a:ext uri="{28A0092B-C50C-407E-A947-70E740481C1C}">
+                <a14:useLocalDpi xmlns:a14="http://schemas.microsoft.com/office/drawing/2010/main" val="0"/>
+              </a:ext>
+            </a:extLst>
+          </a:blip>
+          <a:srcRect/>
+          <a:stretch>
+            <a:fillRect/>
+          </a:stretch>
+        </p:blipFill>
+        <p:spPr bwMode="auto">
+          <a:xfrm>
+            <a:off x="172660" y="591671"/>
+            <a:ext cx="665540" cy="688489"/>
+          </a:xfrm>
+          <a:prstGeom prst="rect">
+            <a:avLst/>
+          </a:prstGeom>
+          <a:noFill/>
+          <a:extLst>
+            <a:ext uri="{909E8E84-426E-40DD-AFC4-6F175D3DCCD1}">
+              <a14:hiddenFill xmlns:a14="http://schemas.microsoft.com/office/drawing/2010/main">
+                <a:solidFill>
+                  <a:srgbClr val="FFFFFF"/>
+                </a:solidFill>
+              </a14:hiddenFill>
+            </a:ext>
+          </a:extLst>
+        </p:spPr>
+      </p:pic>
+      <p:pic>
+        <p:nvPicPr>
+          <p:cNvPr id="2" name="Hình ảnh 1">
+            <a:extLst>
+              <a:ext uri="{FF2B5EF4-FFF2-40B4-BE49-F238E27FC236}">
+                <a16:creationId xmlns:a16="http://schemas.microsoft.com/office/drawing/2014/main" id="{62E594A1-5C97-4565-86C1-12164D796D4B}"/>
+              </a:ext>
+            </a:extLst>
+          </p:cNvPr>
+          <p:cNvPicPr>
+            <a:picLocks noChangeAspect="1"/>
+          </p:cNvPicPr>
+          <p:nvPr/>
+        </p:nvPicPr>
+        <p:blipFill>
+          <a:blip r:embed="rId4"/>
+          <a:stretch>
+            <a:fillRect/>
+          </a:stretch>
+        </p:blipFill>
+        <p:spPr>
+          <a:xfrm>
+            <a:off x="0" y="0"/>
+            <a:ext cx="12192000" cy="6858000"/>
+          </a:xfrm>
+          <a:prstGeom prst="rect">
+            <a:avLst/>
+          </a:prstGeom>
+        </p:spPr>
+      </p:pic>
+    </p:spTree>
+    <p:extLst>
+      <p:ext uri="{BB962C8B-B14F-4D97-AF65-F5344CB8AC3E}">
+        <p14:creationId xmlns:p14="http://schemas.microsoft.com/office/powerpoint/2010/main" val="886888068"/>
+      </p:ext>
+    </p:extLst>
+  </p:cSld>
+  <p:clrMapOvr>
+    <a:masterClrMapping/>
+  </p:clrMapOvr>
+</p:sld>
+</file>
+
+<file path=ppt/slides/slide16.xml><?xml version="1.0" encoding="utf-8"?>
+<p:sld xmlns:a="http://schemas.openxmlformats.org/drawingml/2006/main" xmlns:r="http://schemas.openxmlformats.org/officeDocument/2006/relationships" xmlns:p="http://schemas.openxmlformats.org/presentationml/2006/main">
+  <p:cSld>
+    <p:spTree>
+      <p:nvGrpSpPr>
+        <p:cNvPr id="1" name=""/>
+        <p:cNvGrpSpPr/>
+        <p:nvPr/>
+      </p:nvGrpSpPr>
+      <p:grpSpPr>
+        <a:xfrm>
+          <a:off x="0" y="0"/>
+          <a:ext cx="0" cy="0"/>
+          <a:chOff x="0" y="0"/>
+          <a:chExt cx="0" cy="0"/>
+        </a:xfrm>
+      </p:grpSpPr>
+      <p:pic>
+        <p:nvPicPr>
+          <p:cNvPr id="8198" name="Picture 6" descr="Káº¿t quáº£ hÃ¬nh áº£nh cho aws lambda">
+            <a:extLst>
+              <a:ext uri="{FF2B5EF4-FFF2-40B4-BE49-F238E27FC236}">
+                <a16:creationId xmlns:a16="http://schemas.microsoft.com/office/drawing/2014/main" id="{42EB90F8-2CBA-42DC-A500-6A13292820A4}"/>
+              </a:ext>
+            </a:extLst>
+          </p:cNvPr>
+          <p:cNvPicPr>
+            <a:picLocks noChangeAspect="1" noChangeArrowheads="1"/>
+          </p:cNvPicPr>
+          <p:nvPr/>
+        </p:nvPicPr>
+        <p:blipFill>
+          <a:blip r:embed="rId3" cstate="hqprint">
+            <a:extLst>
+              <a:ext uri="{28A0092B-C50C-407E-A947-70E740481C1C}">
+                <a14:useLocalDpi xmlns:a14="http://schemas.microsoft.com/office/drawing/2010/main" val="0"/>
+              </a:ext>
+            </a:extLst>
+          </a:blip>
+          <a:srcRect/>
+          <a:stretch>
+            <a:fillRect/>
+          </a:stretch>
+        </p:blipFill>
+        <p:spPr bwMode="auto">
+          <a:xfrm>
+            <a:off x="172660" y="591671"/>
+            <a:ext cx="665540" cy="688489"/>
+          </a:xfrm>
+          <a:prstGeom prst="rect">
+            <a:avLst/>
+          </a:prstGeom>
+          <a:noFill/>
+          <a:extLst>
+            <a:ext uri="{909E8E84-426E-40DD-AFC4-6F175D3DCCD1}">
+              <a14:hiddenFill xmlns:a14="http://schemas.microsoft.com/office/drawing/2010/main">
+                <a:solidFill>
+                  <a:srgbClr val="FFFFFF"/>
+                </a:solidFill>
+              </a14:hiddenFill>
+            </a:ext>
+          </a:extLst>
+        </p:spPr>
+      </p:pic>
+      <p:pic>
+        <p:nvPicPr>
+          <p:cNvPr id="3" name="Hình ảnh 2">
+            <a:extLst>
+              <a:ext uri="{FF2B5EF4-FFF2-40B4-BE49-F238E27FC236}">
+                <a16:creationId xmlns:a16="http://schemas.microsoft.com/office/drawing/2014/main" id="{44EB21F9-0ED0-4741-AAED-6ECC9D5E4C56}"/>
+              </a:ext>
+            </a:extLst>
+          </p:cNvPr>
+          <p:cNvPicPr>
+            <a:picLocks noChangeAspect="1"/>
+          </p:cNvPicPr>
+          <p:nvPr/>
+        </p:nvPicPr>
+        <p:blipFill>
+          <a:blip r:embed="rId4"/>
+          <a:stretch>
+            <a:fillRect/>
+          </a:stretch>
+        </p:blipFill>
+        <p:spPr>
+          <a:xfrm>
+            <a:off x="0" y="41275"/>
+            <a:ext cx="12192000" cy="6775450"/>
+          </a:xfrm>
+          <a:prstGeom prst="rect">
+            <a:avLst/>
+          </a:prstGeom>
+        </p:spPr>
+      </p:pic>
+    </p:spTree>
+    <p:extLst>
+      <p:ext uri="{BB962C8B-B14F-4D97-AF65-F5344CB8AC3E}">
+        <p14:creationId xmlns:p14="http://schemas.microsoft.com/office/powerpoint/2010/main" val="675263252"/>
+      </p:ext>
+    </p:extLst>
+  </p:cSld>
+  <p:clrMapOvr>
+    <a:masterClrMapping/>
+  </p:clrMapOvr>
+</p:sld>
+</file>
+
+<file path=ppt/slides/slide17.xml><?xml version="1.0" encoding="utf-8"?>
+<p:sld xmlns:a="http://schemas.openxmlformats.org/drawingml/2006/main" xmlns:r="http://schemas.openxmlformats.org/officeDocument/2006/relationships" xmlns:p="http://schemas.openxmlformats.org/presentationml/2006/main">
+  <p:cSld>
+    <p:spTree>
+      <p:nvGrpSpPr>
+        <p:cNvPr id="1" name=""/>
+        <p:cNvGrpSpPr/>
+        <p:nvPr/>
+      </p:nvGrpSpPr>
+      <p:grpSpPr>
+        <a:xfrm>
+          <a:off x="0" y="0"/>
+          <a:ext cx="0" cy="0"/>
+          <a:chOff x="0" y="0"/>
+          <a:chExt cx="0" cy="0"/>
+        </a:xfrm>
+      </p:grpSpPr>
+      <p:sp>
+        <p:nvSpPr>
           <p:cNvPr id="3" name="Chỗ dành sẵn cho Nội dung 2">
             <a:extLst>
               <a:ext uri="{FF2B5EF4-FFF2-40B4-BE49-F238E27FC236}">
@@ -18095,7 +17862,7 @@
 </p:sld>
 </file>
 
-<file path=ppt/slides/slide15.xml><?xml version="1.0" encoding="utf-8"?>
+<file path=ppt/slides/slide18.xml><?xml version="1.0" encoding="utf-8"?>
 <p:sld xmlns:a="http://schemas.openxmlformats.org/drawingml/2006/main" xmlns:r="http://schemas.openxmlformats.org/officeDocument/2006/relationships" xmlns:p="http://schemas.openxmlformats.org/presentationml/2006/main">
   <p:cSld>
     <p:spTree>
@@ -18984,7 +18751,7 @@
 </p:sld>
 </file>
 
-<file path=ppt/slides/slide16.xml><?xml version="1.0" encoding="utf-8"?>
+<file path=ppt/slides/slide19.xml><?xml version="1.0" encoding="utf-8"?>
 <p:sld xmlns:a="http://schemas.openxmlformats.org/drawingml/2006/main" xmlns:r="http://schemas.openxmlformats.org/officeDocument/2006/relationships" xmlns:p="http://schemas.openxmlformats.org/presentationml/2006/main">
   <p:cSld>
     <p:spTree>
@@ -19154,7 +18921,195 @@
 </p:sld>
 </file>
 
-<file path=ppt/slides/slide17.xml><?xml version="1.0" encoding="utf-8"?>
+<file path=ppt/slides/slide2.xml><?xml version="1.0" encoding="utf-8"?>
+<p:sld xmlns:a="http://schemas.openxmlformats.org/drawingml/2006/main" xmlns:r="http://schemas.openxmlformats.org/officeDocument/2006/relationships" xmlns:p="http://schemas.openxmlformats.org/presentationml/2006/main">
+  <p:cSld>
+    <p:spTree>
+      <p:nvGrpSpPr>
+        <p:cNvPr id="1" name=""/>
+        <p:cNvGrpSpPr/>
+        <p:nvPr/>
+      </p:nvGrpSpPr>
+      <p:grpSpPr>
+        <a:xfrm>
+          <a:off x="0" y="0"/>
+          <a:ext cx="0" cy="0"/>
+          <a:chOff x="0" y="0"/>
+          <a:chExt cx="0" cy="0"/>
+        </a:xfrm>
+      </p:grpSpPr>
+      <p:sp>
+        <p:nvSpPr>
+          <p:cNvPr id="2" name="Tiêu đề 1">
+            <a:extLst>
+              <a:ext uri="{FF2B5EF4-FFF2-40B4-BE49-F238E27FC236}">
+                <a16:creationId xmlns:a16="http://schemas.microsoft.com/office/drawing/2014/main" id="{DD56F44E-28DD-406A-BBB0-A37375538DAB}"/>
+              </a:ext>
+            </a:extLst>
+          </p:cNvPr>
+          <p:cNvSpPr>
+            <a:spLocks noGrp="1"/>
+          </p:cNvSpPr>
+          <p:nvPr>
+            <p:ph type="title"/>
+          </p:nvPr>
+        </p:nvSpPr>
+        <p:spPr>
+          <a:xfrm>
+            <a:off x="1676400" y="342976"/>
+            <a:ext cx="10515600" cy="1325563"/>
+          </a:xfrm>
+        </p:spPr>
+        <p:txBody>
+          <a:bodyPr/>
+          <a:lstStyle/>
+          <a:p>
+            <a:r>
+              <a:rPr lang="en-US" dirty="0" err="1"/>
+              <a:t>Nội</a:t>
+            </a:r>
+            <a:r>
+              <a:rPr lang="en-US" dirty="0"/>
+              <a:t> dung:</a:t>
+            </a:r>
+          </a:p>
+        </p:txBody>
+      </p:sp>
+      <p:sp>
+        <p:nvSpPr>
+          <p:cNvPr id="3" name="Chỗ dành sẵn cho Nội dung 2">
+            <a:extLst>
+              <a:ext uri="{FF2B5EF4-FFF2-40B4-BE49-F238E27FC236}">
+                <a16:creationId xmlns:a16="http://schemas.microsoft.com/office/drawing/2014/main" id="{DBCB20E7-E1BC-4BB7-8FA4-611CB9856632}"/>
+              </a:ext>
+            </a:extLst>
+          </p:cNvPr>
+          <p:cNvSpPr>
+            <a:spLocks noGrp="1"/>
+          </p:cNvSpPr>
+          <p:nvPr>
+            <p:ph idx="1"/>
+          </p:nvPr>
+        </p:nvSpPr>
+        <p:spPr/>
+        <p:txBody>
+          <a:bodyPr/>
+          <a:lstStyle/>
+          <a:p>
+            <a:r>
+              <a:rPr lang="en-US" dirty="0" err="1"/>
+              <a:t>Giới</a:t>
+            </a:r>
+            <a:r>
+              <a:rPr lang="en-US" dirty="0"/>
+              <a:t> </a:t>
+            </a:r>
+            <a:r>
+              <a:rPr lang="en-US" dirty="0" err="1"/>
+              <a:t>thiệu</a:t>
+            </a:r>
+            <a:r>
+              <a:rPr lang="en-US" dirty="0"/>
+              <a:t> </a:t>
+            </a:r>
+            <a:r>
+              <a:rPr lang="en-US" dirty="0" err="1"/>
+              <a:t>chung</a:t>
+            </a:r>
+            <a:r>
+              <a:rPr lang="en-US" dirty="0"/>
+              <a:t> </a:t>
+            </a:r>
+            <a:r>
+              <a:rPr lang="en-US" dirty="0" err="1"/>
+              <a:t>về</a:t>
+            </a:r>
+            <a:r>
+              <a:rPr lang="en-US" dirty="0"/>
+              <a:t> Amazon web service</a:t>
+            </a:r>
+          </a:p>
+          <a:p>
+            <a:r>
+              <a:rPr lang="en-US" dirty="0"/>
+              <a:t>AWS IOT</a:t>
+            </a:r>
+          </a:p>
+          <a:p>
+            <a:r>
+              <a:rPr lang="en-US" dirty="0"/>
+              <a:t>AWS Lambda</a:t>
+            </a:r>
+          </a:p>
+          <a:p>
+            <a:r>
+              <a:rPr lang="en-US" dirty="0"/>
+              <a:t>AWS DynamoDB</a:t>
+            </a:r>
+          </a:p>
+        </p:txBody>
+      </p:sp>
+      <p:pic>
+        <p:nvPicPr>
+          <p:cNvPr id="4" name="Picture 2" descr="Káº¿t quáº£ hÃ¬nh áº£nh cho aws">
+            <a:extLst>
+              <a:ext uri="{FF2B5EF4-FFF2-40B4-BE49-F238E27FC236}">
+                <a16:creationId xmlns:a16="http://schemas.microsoft.com/office/drawing/2014/main" id="{6DF8D1D5-EF58-45C5-B904-FCC069F4CC4B}"/>
+              </a:ext>
+            </a:extLst>
+          </p:cNvPr>
+          <p:cNvPicPr>
+            <a:picLocks noChangeAspect="1" noChangeArrowheads="1"/>
+          </p:cNvPicPr>
+          <p:nvPr/>
+        </p:nvPicPr>
+        <p:blipFill>
+          <a:blip r:embed="rId2" cstate="hqprint">
+            <a:extLst>
+              <a:ext uri="{28A0092B-C50C-407E-A947-70E740481C1C}">
+                <a14:useLocalDpi xmlns:a14="http://schemas.microsoft.com/office/drawing/2010/main" val="0"/>
+              </a:ext>
+            </a:extLst>
+          </a:blip>
+          <a:srcRect/>
+          <a:stretch>
+            <a:fillRect/>
+          </a:stretch>
+        </p:blipFill>
+        <p:spPr bwMode="auto">
+          <a:xfrm>
+            <a:off x="172123" y="164261"/>
+            <a:ext cx="1504278" cy="1504278"/>
+          </a:xfrm>
+          <a:prstGeom prst="rect">
+            <a:avLst/>
+          </a:prstGeom>
+          <a:noFill/>
+          <a:extLst>
+            <a:ext uri="{909E8E84-426E-40DD-AFC4-6F175D3DCCD1}">
+              <a14:hiddenFill xmlns:a14="http://schemas.microsoft.com/office/drawing/2010/main">
+                <a:solidFill>
+                  <a:srgbClr val="FFFFFF"/>
+                </a:solidFill>
+              </a14:hiddenFill>
+            </a:ext>
+          </a:extLst>
+        </p:spPr>
+      </p:pic>
+    </p:spTree>
+    <p:extLst>
+      <p:ext uri="{BB962C8B-B14F-4D97-AF65-F5344CB8AC3E}">
+        <p14:creationId xmlns:p14="http://schemas.microsoft.com/office/powerpoint/2010/main" val="1893159388"/>
+      </p:ext>
+    </p:extLst>
+  </p:cSld>
+  <p:clrMapOvr>
+    <a:masterClrMapping/>
+  </p:clrMapOvr>
+</p:sld>
+</file>
+
+<file path=ppt/slides/slide20.xml><?xml version="1.0" encoding="utf-8"?>
 <p:sld xmlns:a="http://schemas.openxmlformats.org/drawingml/2006/main" xmlns:r="http://schemas.openxmlformats.org/officeDocument/2006/relationships" xmlns:p="http://schemas.openxmlformats.org/presentationml/2006/main">
   <p:cSld>
     <p:spTree>
@@ -22146,194 +22101,6 @@
     <p:extLst>
       <p:ext uri="{BB962C8B-B14F-4D97-AF65-F5344CB8AC3E}">
         <p14:creationId xmlns:p14="http://schemas.microsoft.com/office/powerpoint/2010/main" val="1809179010"/>
-      </p:ext>
-    </p:extLst>
-  </p:cSld>
-  <p:clrMapOvr>
-    <a:masterClrMapping/>
-  </p:clrMapOvr>
-</p:sld>
-</file>
-
-<file path=ppt/slides/slide2.xml><?xml version="1.0" encoding="utf-8"?>
-<p:sld xmlns:a="http://schemas.openxmlformats.org/drawingml/2006/main" xmlns:r="http://schemas.openxmlformats.org/officeDocument/2006/relationships" xmlns:p="http://schemas.openxmlformats.org/presentationml/2006/main">
-  <p:cSld>
-    <p:spTree>
-      <p:nvGrpSpPr>
-        <p:cNvPr id="1" name=""/>
-        <p:cNvGrpSpPr/>
-        <p:nvPr/>
-      </p:nvGrpSpPr>
-      <p:grpSpPr>
-        <a:xfrm>
-          <a:off x="0" y="0"/>
-          <a:ext cx="0" cy="0"/>
-          <a:chOff x="0" y="0"/>
-          <a:chExt cx="0" cy="0"/>
-        </a:xfrm>
-      </p:grpSpPr>
-      <p:sp>
-        <p:nvSpPr>
-          <p:cNvPr id="2" name="Tiêu đề 1">
-            <a:extLst>
-              <a:ext uri="{FF2B5EF4-FFF2-40B4-BE49-F238E27FC236}">
-                <a16:creationId xmlns:a16="http://schemas.microsoft.com/office/drawing/2014/main" id="{DD56F44E-28DD-406A-BBB0-A37375538DAB}"/>
-              </a:ext>
-            </a:extLst>
-          </p:cNvPr>
-          <p:cNvSpPr>
-            <a:spLocks noGrp="1"/>
-          </p:cNvSpPr>
-          <p:nvPr>
-            <p:ph type="title"/>
-          </p:nvPr>
-        </p:nvSpPr>
-        <p:spPr>
-          <a:xfrm>
-            <a:off x="1676400" y="342976"/>
-            <a:ext cx="10515600" cy="1325563"/>
-          </a:xfrm>
-        </p:spPr>
-        <p:txBody>
-          <a:bodyPr/>
-          <a:lstStyle/>
-          <a:p>
-            <a:r>
-              <a:rPr lang="en-US" dirty="0" err="1"/>
-              <a:t>Nội</a:t>
-            </a:r>
-            <a:r>
-              <a:rPr lang="en-US" dirty="0"/>
-              <a:t> dung:</a:t>
-            </a:r>
-          </a:p>
-        </p:txBody>
-      </p:sp>
-      <p:sp>
-        <p:nvSpPr>
-          <p:cNvPr id="3" name="Chỗ dành sẵn cho Nội dung 2">
-            <a:extLst>
-              <a:ext uri="{FF2B5EF4-FFF2-40B4-BE49-F238E27FC236}">
-                <a16:creationId xmlns:a16="http://schemas.microsoft.com/office/drawing/2014/main" id="{DBCB20E7-E1BC-4BB7-8FA4-611CB9856632}"/>
-              </a:ext>
-            </a:extLst>
-          </p:cNvPr>
-          <p:cNvSpPr>
-            <a:spLocks noGrp="1"/>
-          </p:cNvSpPr>
-          <p:nvPr>
-            <p:ph idx="1"/>
-          </p:nvPr>
-        </p:nvSpPr>
-        <p:spPr/>
-        <p:txBody>
-          <a:bodyPr/>
-          <a:lstStyle/>
-          <a:p>
-            <a:r>
-              <a:rPr lang="en-US" dirty="0" err="1"/>
-              <a:t>Giới</a:t>
-            </a:r>
-            <a:r>
-              <a:rPr lang="en-US" dirty="0"/>
-              <a:t> </a:t>
-            </a:r>
-            <a:r>
-              <a:rPr lang="en-US" dirty="0" err="1"/>
-              <a:t>thiệu</a:t>
-            </a:r>
-            <a:r>
-              <a:rPr lang="en-US" dirty="0"/>
-              <a:t> </a:t>
-            </a:r>
-            <a:r>
-              <a:rPr lang="en-US" dirty="0" err="1"/>
-              <a:t>chung</a:t>
-            </a:r>
-            <a:r>
-              <a:rPr lang="en-US" dirty="0"/>
-              <a:t> </a:t>
-            </a:r>
-            <a:r>
-              <a:rPr lang="en-US" dirty="0" err="1"/>
-              <a:t>về</a:t>
-            </a:r>
-            <a:r>
-              <a:rPr lang="en-US" dirty="0"/>
-              <a:t> Amazon web service</a:t>
-            </a:r>
-          </a:p>
-          <a:p>
-            <a:r>
-              <a:rPr lang="en-US" dirty="0"/>
-              <a:t>AWS IOT</a:t>
-            </a:r>
-          </a:p>
-          <a:p>
-            <a:r>
-              <a:rPr lang="en-US" dirty="0"/>
-              <a:t>AWS Lambda</a:t>
-            </a:r>
-          </a:p>
-          <a:p>
-            <a:r>
-              <a:rPr lang="en-US" dirty="0"/>
-              <a:t>AWS DynamoDB</a:t>
-            </a:r>
-          </a:p>
-        </p:txBody>
-      </p:sp>
-      <p:pic>
-        <p:nvPicPr>
-          <p:cNvPr id="4" name="Picture 2" descr="Káº¿t quáº£ hÃ¬nh áº£nh cho aws">
-            <a:extLst>
-              <a:ext uri="{FF2B5EF4-FFF2-40B4-BE49-F238E27FC236}">
-                <a16:creationId xmlns:a16="http://schemas.microsoft.com/office/drawing/2014/main" id="{6DF8D1D5-EF58-45C5-B904-FCC069F4CC4B}"/>
-              </a:ext>
-            </a:extLst>
-          </p:cNvPr>
-          <p:cNvPicPr>
-            <a:picLocks noChangeAspect="1" noChangeArrowheads="1"/>
-          </p:cNvPicPr>
-          <p:nvPr/>
-        </p:nvPicPr>
-        <p:blipFill>
-          <a:blip r:embed="rId2" cstate="hqprint">
-            <a:extLst>
-              <a:ext uri="{28A0092B-C50C-407E-A947-70E740481C1C}">
-                <a14:useLocalDpi xmlns:a14="http://schemas.microsoft.com/office/drawing/2010/main" val="0"/>
-              </a:ext>
-            </a:extLst>
-          </a:blip>
-          <a:srcRect/>
-          <a:stretch>
-            <a:fillRect/>
-          </a:stretch>
-        </p:blipFill>
-        <p:spPr bwMode="auto">
-          <a:xfrm>
-            <a:off x="172123" y="164261"/>
-            <a:ext cx="1504278" cy="1504278"/>
-          </a:xfrm>
-          <a:prstGeom prst="rect">
-            <a:avLst/>
-          </a:prstGeom>
-          <a:noFill/>
-          <a:extLst>
-            <a:ext uri="{909E8E84-426E-40DD-AFC4-6F175D3DCCD1}">
-              <a14:hiddenFill xmlns:a14="http://schemas.microsoft.com/office/drawing/2010/main">
-                <a:solidFill>
-                  <a:srgbClr val="FFFFFF"/>
-                </a:solidFill>
-              </a14:hiddenFill>
-            </a:ext>
-          </a:extLst>
-        </p:spPr>
-      </p:pic>
-    </p:spTree>
-    <p:extLst>
-      <p:ext uri="{BB962C8B-B14F-4D97-AF65-F5344CB8AC3E}">
-        <p14:creationId xmlns:p14="http://schemas.microsoft.com/office/powerpoint/2010/main" val="1893159388"/>
       </p:ext>
     </p:extLst>
   </p:cSld>
